--- a/meetup_1/error_handling/error_handling.pptx
+++ b/meetup_1/error_handling/error_handling.pptx
@@ -5,13 +5,15 @@
     <p:sldMasterId id="2147483882" r:id="rId1"/>
   </p:sldMasterIdLst>
   <p:notesMasterIdLst>
-    <p:notesMasterId r:id="rId6"/>
+    <p:notesMasterId r:id="rId8"/>
   </p:notesMasterIdLst>
   <p:sldIdLst>
     <p:sldId id="256" r:id="rId2"/>
     <p:sldId id="257" r:id="rId3"/>
     <p:sldId id="263" r:id="rId4"/>
     <p:sldId id="264" r:id="rId5"/>
+    <p:sldId id="265" r:id="rId6"/>
+    <p:sldId id="266" r:id="rId7"/>
   </p:sldIdLst>
   <p:sldSz cx="12192000" cy="6858000"/>
   <p:notesSz cx="6858000" cy="9144000"/>
@@ -5202,6 +5204,15 @@
           <a:bodyPr/>
           <a:lstStyle/>
           <a:p>
+            <a:pPr marL="0" indent="0">
+              <a:buNone/>
+            </a:pPr>
+            <a:endParaRPr lang="en-US" dirty="0"/>
+          </a:p>
+          <a:p>
+            <a:endParaRPr lang="en-US" dirty="0"/>
+          </a:p>
+          <a:p>
             <a:r>
               <a:rPr lang="en-US" dirty="0"/>
               <a:t>For initialization, optional values, null-pointer emulation, etc.</a:t>
@@ -5390,8 +5401,8 @@
         </p:nvSpPr>
         <p:spPr>
           <a:xfrm>
-            <a:off x="1814078" y="3195694"/>
-            <a:ext cx="4169472" cy="1323439"/>
+            <a:off x="1840711" y="4057383"/>
+            <a:ext cx="4631110" cy="1323439"/>
           </a:xfrm>
           <a:prstGeom prst="rect">
             <a:avLst/>
@@ -5421,7 +5432,21 @@
                 <a:latin typeface="Courier New" panose="02070309020205020404" pitchFamily="49" charset="0"/>
                 <a:cs typeface="Courier New" panose="02070309020205020404" pitchFamily="49" charset="0"/>
               </a:rPr>
-              <a:t>&lt;T&gt; Iterator </a:t>
+              <a:t>&lt;T&gt; </a:t>
+            </a:r>
+            <a:r>
+              <a:rPr lang="de-DE" sz="1600" b="1" dirty="0" err="1">
+                <a:latin typeface="Courier New" panose="02070309020205020404" pitchFamily="49" charset="0"/>
+                <a:cs typeface="Courier New" panose="02070309020205020404" pitchFamily="49" charset="0"/>
+              </a:rPr>
+              <a:t>IntoIterator</a:t>
+            </a:r>
+            <a:r>
+              <a:rPr lang="de-DE" sz="1600" b="1" dirty="0">
+                <a:latin typeface="Courier New" panose="02070309020205020404" pitchFamily="49" charset="0"/>
+                <a:cs typeface="Courier New" panose="02070309020205020404" pitchFamily="49" charset="0"/>
+              </a:rPr>
+              <a:t> </a:t>
             </a:r>
             <a:r>
               <a:rPr lang="de-DE" sz="1600" b="1" dirty="0" err="1">
@@ -5476,10 +5501,942 @@
           </a:p>
         </p:txBody>
       </p:sp>
+      <p:sp>
+        <p:nvSpPr>
+          <p:cNvPr id="11" name="Textfeld 10">
+            <a:extLst>
+              <a:ext uri="{FF2B5EF4-FFF2-40B4-BE49-F238E27FC236}">
+                <a16:creationId xmlns:a16="http://schemas.microsoft.com/office/drawing/2014/main" id="{9EB8CF90-65D3-4504-BB06-C5E28CAF2A4A}"/>
+              </a:ext>
+            </a:extLst>
+          </p:cNvPr>
+          <p:cNvSpPr txBox="1"/>
+          <p:nvPr/>
+        </p:nvSpPr>
+        <p:spPr>
+          <a:xfrm>
+            <a:off x="8194088" y="1946084"/>
+            <a:ext cx="2139519" cy="1077218"/>
+          </a:xfrm>
+          <a:prstGeom prst="rect">
+            <a:avLst/>
+          </a:prstGeom>
+          <a:noFill/>
+          <a:ln>
+            <a:solidFill>
+              <a:schemeClr val="tx1"/>
+            </a:solidFill>
+          </a:ln>
+        </p:spPr>
+        <p:txBody>
+          <a:bodyPr wrap="square" rtlCol="0">
+            <a:spAutoFit/>
+          </a:bodyPr>
+          <a:lstStyle/>
+          <a:p>
+            <a:r>
+              <a:rPr lang="de-DE" sz="1600" b="1" dirty="0" err="1">
+                <a:latin typeface="Courier New" panose="02070309020205020404" pitchFamily="49" charset="0"/>
+                <a:cs typeface="Courier New" panose="02070309020205020404" pitchFamily="49" charset="0"/>
+              </a:rPr>
+              <a:t>enum</a:t>
+            </a:r>
+            <a:r>
+              <a:rPr lang="de-DE" sz="1600" b="1" dirty="0">
+                <a:latin typeface="Courier New" panose="02070309020205020404" pitchFamily="49" charset="0"/>
+                <a:cs typeface="Courier New" panose="02070309020205020404" pitchFamily="49" charset="0"/>
+              </a:rPr>
+              <a:t> Option&lt;T&gt; {</a:t>
+            </a:r>
+          </a:p>
+          <a:p>
+            <a:r>
+              <a:rPr lang="de-DE" sz="1600" b="1" dirty="0">
+                <a:latin typeface="Courier New" panose="02070309020205020404" pitchFamily="49" charset="0"/>
+                <a:cs typeface="Courier New" panose="02070309020205020404" pitchFamily="49" charset="0"/>
+              </a:rPr>
+              <a:t>  </a:t>
+            </a:r>
+            <a:r>
+              <a:rPr lang="de-DE" sz="1600" b="1" dirty="0" err="1">
+                <a:latin typeface="Courier New" panose="02070309020205020404" pitchFamily="49" charset="0"/>
+                <a:cs typeface="Courier New" panose="02070309020205020404" pitchFamily="49" charset="0"/>
+              </a:rPr>
+              <a:t>Some</a:t>
+            </a:r>
+            <a:r>
+              <a:rPr lang="de-DE" sz="1600" b="1" dirty="0">
+                <a:latin typeface="Courier New" panose="02070309020205020404" pitchFamily="49" charset="0"/>
+                <a:cs typeface="Courier New" panose="02070309020205020404" pitchFamily="49" charset="0"/>
+              </a:rPr>
+              <a:t>(T),</a:t>
+            </a:r>
+          </a:p>
+          <a:p>
+            <a:r>
+              <a:rPr lang="de-DE" sz="1600" b="1" dirty="0">
+                <a:latin typeface="Courier New" panose="02070309020205020404" pitchFamily="49" charset="0"/>
+                <a:cs typeface="Courier New" panose="02070309020205020404" pitchFamily="49" charset="0"/>
+              </a:rPr>
+              <a:t>  None,</a:t>
+            </a:r>
+          </a:p>
+          <a:p>
+            <a:r>
+              <a:rPr lang="de-DE" sz="1600" b="1" dirty="0">
+                <a:latin typeface="Courier New" panose="02070309020205020404" pitchFamily="49" charset="0"/>
+                <a:cs typeface="Courier New" panose="02070309020205020404" pitchFamily="49" charset="0"/>
+              </a:rPr>
+              <a:t>}</a:t>
+            </a:r>
+          </a:p>
+        </p:txBody>
+      </p:sp>
     </p:spTree>
     <p:extLst>
       <p:ext uri="{BB962C8B-B14F-4D97-AF65-F5344CB8AC3E}">
         <p14:creationId xmlns:p14="http://schemas.microsoft.com/office/powerpoint/2010/main" val="2720329720"/>
+      </p:ext>
+    </p:extLst>
+  </p:cSld>
+  <p:clrMapOvr>
+    <a:masterClrMapping/>
+  </p:clrMapOvr>
+  <p:timing>
+    <p:tnLst>
+      <p:par>
+        <p:cTn id="1" dur="indefinite" restart="never" nodeType="tmRoot">
+          <p:childTnLst>
+            <p:seq concurrent="1" nextAc="seek">
+              <p:cTn id="2" dur="indefinite" nodeType="mainSeq">
+                <p:childTnLst>
+                  <p:par>
+                    <p:cTn id="3" fill="hold">
+                      <p:stCondLst>
+                        <p:cond delay="indefinite"/>
+                      </p:stCondLst>
+                      <p:childTnLst>
+                        <p:par>
+                          <p:cTn id="4" fill="hold">
+                            <p:stCondLst>
+                              <p:cond delay="0"/>
+                            </p:stCondLst>
+                            <p:childTnLst>
+                              <p:par>
+                                <p:cTn id="5" presetID="1" presetClass="entr" presetSubtype="0" fill="hold" grpId="0" nodeType="clickEffect">
+                                  <p:stCondLst>
+                                    <p:cond delay="0"/>
+                                  </p:stCondLst>
+                                  <p:childTnLst>
+                                    <p:set>
+                                      <p:cBhvr>
+                                        <p:cTn id="6" dur="1" fill="hold">
+                                          <p:stCondLst>
+                                            <p:cond delay="0"/>
+                                          </p:stCondLst>
+                                        </p:cTn>
+                                        <p:tgtEl>
+                                          <p:spTgt spid="10"/>
+                                        </p:tgtEl>
+                                        <p:attrNameLst>
+                                          <p:attrName>style.visibility</p:attrName>
+                                        </p:attrNameLst>
+                                      </p:cBhvr>
+                                      <p:to>
+                                        <p:strVal val="visible"/>
+                                      </p:to>
+                                    </p:set>
+                                  </p:childTnLst>
+                                </p:cTn>
+                              </p:par>
+                            </p:childTnLst>
+                          </p:cTn>
+                        </p:par>
+                      </p:childTnLst>
+                    </p:cTn>
+                  </p:par>
+                  <p:par>
+                    <p:cTn id="7" fill="hold">
+                      <p:stCondLst>
+                        <p:cond delay="indefinite"/>
+                      </p:stCondLst>
+                      <p:childTnLst>
+                        <p:par>
+                          <p:cTn id="8" fill="hold">
+                            <p:stCondLst>
+                              <p:cond delay="0"/>
+                            </p:stCondLst>
+                            <p:childTnLst>
+                              <p:par>
+                                <p:cTn id="9" presetID="1" presetClass="entr" presetSubtype="0" fill="hold" grpId="0" nodeType="clickEffect">
+                                  <p:stCondLst>
+                                    <p:cond delay="0"/>
+                                  </p:stCondLst>
+                                  <p:childTnLst>
+                                    <p:set>
+                                      <p:cBhvr>
+                                        <p:cTn id="10" dur="1" fill="hold">
+                                          <p:stCondLst>
+                                            <p:cond delay="0"/>
+                                          </p:stCondLst>
+                                        </p:cTn>
+                                        <p:tgtEl>
+                                          <p:spTgt spid="11"/>
+                                        </p:tgtEl>
+                                        <p:attrNameLst>
+                                          <p:attrName>style.visibility</p:attrName>
+                                        </p:attrNameLst>
+                                      </p:cBhvr>
+                                      <p:to>
+                                        <p:strVal val="visible"/>
+                                      </p:to>
+                                    </p:set>
+                                  </p:childTnLst>
+                                </p:cTn>
+                              </p:par>
+                            </p:childTnLst>
+                          </p:cTn>
+                        </p:par>
+                      </p:childTnLst>
+                    </p:cTn>
+                  </p:par>
+                </p:childTnLst>
+              </p:cTn>
+              <p:prevCondLst>
+                <p:cond evt="onPrev" delay="0">
+                  <p:tgtEl>
+                    <p:sldTgt/>
+                  </p:tgtEl>
+                </p:cond>
+              </p:prevCondLst>
+              <p:nextCondLst>
+                <p:cond evt="onNext" delay="0">
+                  <p:tgtEl>
+                    <p:sldTgt/>
+                  </p:tgtEl>
+                </p:cond>
+              </p:nextCondLst>
+            </p:seq>
+          </p:childTnLst>
+        </p:cTn>
+      </p:par>
+    </p:tnLst>
+    <p:bldLst>
+      <p:bldP spid="10" grpId="0" animBg="1"/>
+      <p:bldP spid="11" grpId="0" animBg="1"/>
+    </p:bldLst>
+  </p:timing>
+</p:sld>
+</file>
+
+<file path=ppt/slides/slide5.xml><?xml version="1.0" encoding="utf-8"?>
+<p:sld xmlns:a="http://schemas.openxmlformats.org/drawingml/2006/main" xmlns:r="http://schemas.openxmlformats.org/officeDocument/2006/relationships" xmlns:p="http://schemas.openxmlformats.org/presentationml/2006/main">
+  <p:cSld>
+    <p:spTree>
+      <p:nvGrpSpPr>
+        <p:cNvPr id="1" name=""/>
+        <p:cNvGrpSpPr/>
+        <p:nvPr/>
+      </p:nvGrpSpPr>
+      <p:grpSpPr>
+        <a:xfrm>
+          <a:off x="0" y="0"/>
+          <a:ext cx="0" cy="0"/>
+          <a:chOff x="0" y="0"/>
+          <a:chExt cx="0" cy="0"/>
+        </a:xfrm>
+      </p:grpSpPr>
+      <p:sp>
+        <p:nvSpPr>
+          <p:cNvPr id="2" name="Titel 1">
+            <a:extLst>
+              <a:ext uri="{FF2B5EF4-FFF2-40B4-BE49-F238E27FC236}">
+                <a16:creationId xmlns:a16="http://schemas.microsoft.com/office/drawing/2014/main" id="{7FD9FCBF-76AE-430D-9C88-BAF7A5284691}"/>
+              </a:ext>
+            </a:extLst>
+          </p:cNvPr>
+          <p:cNvSpPr>
+            <a:spLocks noGrp="1"/>
+          </p:cNvSpPr>
+          <p:nvPr>
+            <p:ph type="title"/>
+          </p:nvPr>
+        </p:nvSpPr>
+        <p:spPr/>
+        <p:txBody>
+          <a:bodyPr/>
+          <a:lstStyle/>
+          <a:p>
+            <a:r>
+              <a:rPr lang="en-US" dirty="0"/>
+              <a:t>Option&lt;T&gt;</a:t>
+            </a:r>
+            <a:br>
+              <a:rPr lang="en-US" dirty="0"/>
+            </a:br>
+            <a:r>
+              <a:rPr lang="en-US" sz="4000" dirty="0"/>
+              <a:t>Useful methods</a:t>
+            </a:r>
+            <a:endParaRPr lang="en-US" dirty="0"/>
+          </a:p>
+        </p:txBody>
+      </p:sp>
+      <p:pic>
+        <p:nvPicPr>
+          <p:cNvPr id="9" name="Inhaltsplatzhalter 8">
+            <a:extLst>
+              <a:ext uri="{FF2B5EF4-FFF2-40B4-BE49-F238E27FC236}">
+                <a16:creationId xmlns:a16="http://schemas.microsoft.com/office/drawing/2014/main" id="{A974EEAE-58F3-4072-854E-908C30510BE8}"/>
+              </a:ext>
+            </a:extLst>
+          </p:cNvPr>
+          <p:cNvPicPr>
+            <a:picLocks noGrp="1" noChangeAspect="1"/>
+          </p:cNvPicPr>
+          <p:nvPr>
+            <p:ph idx="1"/>
+          </p:nvPr>
+        </p:nvPicPr>
+        <p:blipFill>
+          <a:blip r:embed="rId2"/>
+          <a:stretch>
+            <a:fillRect/>
+          </a:stretch>
+        </p:blipFill>
+        <p:spPr>
+          <a:xfrm>
+            <a:off x="1097278" y="2319231"/>
+            <a:ext cx="5168143" cy="734687"/>
+          </a:xfrm>
+          <a:prstGeom prst="rect">
+            <a:avLst/>
+          </a:prstGeom>
+        </p:spPr>
+      </p:pic>
+      <p:sp>
+        <p:nvSpPr>
+          <p:cNvPr id="4" name="Datumsplatzhalter 3">
+            <a:extLst>
+              <a:ext uri="{FF2B5EF4-FFF2-40B4-BE49-F238E27FC236}">
+                <a16:creationId xmlns:a16="http://schemas.microsoft.com/office/drawing/2014/main" id="{5DBEE3B3-05E5-417E-BA2B-97102FA598C0}"/>
+              </a:ext>
+            </a:extLst>
+          </p:cNvPr>
+          <p:cNvSpPr>
+            <a:spLocks noGrp="1"/>
+          </p:cNvSpPr>
+          <p:nvPr>
+            <p:ph type="dt" sz="half" idx="10"/>
+          </p:nvPr>
+        </p:nvSpPr>
+        <p:spPr/>
+        <p:txBody>
+          <a:bodyPr/>
+          <a:lstStyle/>
+          <a:p>
+            <a:fld id="{D48541D9-3425-4F48-A2D7-73AB15E3F4EF}" type="datetime1">
+              <a:rPr lang="de-DE" smtClean="0"/>
+              <a:t>04.08.2019</a:t>
+            </a:fld>
+            <a:endParaRPr lang="de-DE"/>
+          </a:p>
+        </p:txBody>
+      </p:sp>
+      <p:sp>
+        <p:nvSpPr>
+          <p:cNvPr id="5" name="Fußzeilenplatzhalter 4">
+            <a:extLst>
+              <a:ext uri="{FF2B5EF4-FFF2-40B4-BE49-F238E27FC236}">
+                <a16:creationId xmlns:a16="http://schemas.microsoft.com/office/drawing/2014/main" id="{8B6EC505-F67A-4DB7-AE56-CA123D0D046E}"/>
+              </a:ext>
+            </a:extLst>
+          </p:cNvPr>
+          <p:cNvSpPr>
+            <a:spLocks noGrp="1"/>
+          </p:cNvSpPr>
+          <p:nvPr>
+            <p:ph type="ftr" sz="quarter" idx="11"/>
+          </p:nvPr>
+        </p:nvSpPr>
+        <p:spPr/>
+        <p:txBody>
+          <a:bodyPr/>
+          <a:lstStyle/>
+          <a:p>
+            <a:r>
+              <a:rPr lang="en-US"/>
+              <a:t>Introduction to the Rust Programming Language</a:t>
+            </a:r>
+            <a:endParaRPr lang="de-DE" dirty="0"/>
+          </a:p>
+        </p:txBody>
+      </p:sp>
+      <p:sp>
+        <p:nvSpPr>
+          <p:cNvPr id="6" name="Foliennummernplatzhalter 5">
+            <a:extLst>
+              <a:ext uri="{FF2B5EF4-FFF2-40B4-BE49-F238E27FC236}">
+                <a16:creationId xmlns:a16="http://schemas.microsoft.com/office/drawing/2014/main" id="{579A2129-9B2E-4850-A819-8F24A7554F10}"/>
+              </a:ext>
+            </a:extLst>
+          </p:cNvPr>
+          <p:cNvSpPr>
+            <a:spLocks noGrp="1"/>
+          </p:cNvSpPr>
+          <p:nvPr>
+            <p:ph type="sldNum" sz="quarter" idx="12"/>
+          </p:nvPr>
+        </p:nvSpPr>
+        <p:spPr/>
+        <p:txBody>
+          <a:bodyPr/>
+          <a:lstStyle/>
+          <a:p>
+            <a:fld id="{DD84331A-EC78-42D6-8523-DC2F55A89D6A}" type="slidenum">
+              <a:rPr lang="de-DE" smtClean="0"/>
+              <a:pPr/>
+              <a:t>5</a:t>
+            </a:fld>
+            <a:endParaRPr lang="de-DE" dirty="0"/>
+          </a:p>
+        </p:txBody>
+      </p:sp>
+      <p:pic>
+        <p:nvPicPr>
+          <p:cNvPr id="7" name="Grafik 6">
+            <a:extLst>
+              <a:ext uri="{FF2B5EF4-FFF2-40B4-BE49-F238E27FC236}">
+                <a16:creationId xmlns:a16="http://schemas.microsoft.com/office/drawing/2014/main" id="{71E478D4-8F89-40E5-91C4-94834F337846}"/>
+              </a:ext>
+            </a:extLst>
+          </p:cNvPr>
+          <p:cNvPicPr>
+            <a:picLocks noChangeAspect="1"/>
+          </p:cNvPicPr>
+          <p:nvPr/>
+        </p:nvPicPr>
+        <p:blipFill>
+          <a:blip r:embed="rId3">
+            <a:extLst>
+              <a:ext uri="{28A0092B-C50C-407E-A947-70E740481C1C}">
+                <a14:useLocalDpi xmlns:a14="http://schemas.microsoft.com/office/drawing/2010/main" val="0"/>
+              </a:ext>
+            </a:extLst>
+          </a:blip>
+          <a:stretch>
+            <a:fillRect/>
+          </a:stretch>
+        </p:blipFill>
+        <p:spPr>
+          <a:xfrm>
+            <a:off x="9900458" y="286603"/>
+            <a:ext cx="1255222" cy="1255221"/>
+          </a:xfrm>
+          <a:prstGeom prst="rect">
+            <a:avLst/>
+          </a:prstGeom>
+        </p:spPr>
+      </p:pic>
+      <p:pic>
+        <p:nvPicPr>
+          <p:cNvPr id="8" name="Grafik 7">
+            <a:extLst>
+              <a:ext uri="{FF2B5EF4-FFF2-40B4-BE49-F238E27FC236}">
+                <a16:creationId xmlns:a16="http://schemas.microsoft.com/office/drawing/2014/main" id="{78CCF150-6B2E-4817-B97B-A9FAA5039DF0}"/>
+              </a:ext>
+            </a:extLst>
+          </p:cNvPr>
+          <p:cNvPicPr>
+            <a:picLocks noChangeAspect="1"/>
+          </p:cNvPicPr>
+          <p:nvPr/>
+        </p:nvPicPr>
+        <p:blipFill>
+          <a:blip r:embed="rId4"/>
+          <a:stretch>
+            <a:fillRect/>
+          </a:stretch>
+        </p:blipFill>
+        <p:spPr>
+          <a:xfrm>
+            <a:off x="1115631" y="4808515"/>
+            <a:ext cx="4268179" cy="365125"/>
+          </a:xfrm>
+          <a:prstGeom prst="rect">
+            <a:avLst/>
+          </a:prstGeom>
+        </p:spPr>
+      </p:pic>
+      <p:pic>
+        <p:nvPicPr>
+          <p:cNvPr id="11" name="Grafik 10">
+            <a:extLst>
+              <a:ext uri="{FF2B5EF4-FFF2-40B4-BE49-F238E27FC236}">
+                <a16:creationId xmlns:a16="http://schemas.microsoft.com/office/drawing/2014/main" id="{D9CF7EBE-A060-43C7-96C2-5AFDD10A6E5B}"/>
+              </a:ext>
+            </a:extLst>
+          </p:cNvPr>
+          <p:cNvPicPr>
+            <a:picLocks noChangeAspect="1"/>
+          </p:cNvPicPr>
+          <p:nvPr/>
+        </p:nvPicPr>
+        <p:blipFill>
+          <a:blip r:embed="rId5"/>
+          <a:stretch>
+            <a:fillRect/>
+          </a:stretch>
+        </p:blipFill>
+        <p:spPr>
+          <a:xfrm>
+            <a:off x="1115631" y="3159267"/>
+            <a:ext cx="6549926" cy="734687"/>
+          </a:xfrm>
+          <a:prstGeom prst="rect">
+            <a:avLst/>
+          </a:prstGeom>
+        </p:spPr>
+      </p:pic>
+      <p:pic>
+        <p:nvPicPr>
+          <p:cNvPr id="12" name="Grafik 11">
+            <a:extLst>
+              <a:ext uri="{FF2B5EF4-FFF2-40B4-BE49-F238E27FC236}">
+                <a16:creationId xmlns:a16="http://schemas.microsoft.com/office/drawing/2014/main" id="{67F23FB3-67A5-4ADE-91F9-9F8A1728C1D4}"/>
+              </a:ext>
+            </a:extLst>
+          </p:cNvPr>
+          <p:cNvPicPr>
+            <a:picLocks noChangeAspect="1"/>
+          </p:cNvPicPr>
+          <p:nvPr/>
+        </p:nvPicPr>
+        <p:blipFill>
+          <a:blip r:embed="rId6"/>
+          <a:stretch>
+            <a:fillRect/>
+          </a:stretch>
+        </p:blipFill>
+        <p:spPr>
+          <a:xfrm>
+            <a:off x="1115631" y="3999303"/>
+            <a:ext cx="4452524" cy="284754"/>
+          </a:xfrm>
+          <a:prstGeom prst="rect">
+            <a:avLst/>
+          </a:prstGeom>
+        </p:spPr>
+      </p:pic>
+      <p:pic>
+        <p:nvPicPr>
+          <p:cNvPr id="13" name="Grafik 12">
+            <a:extLst>
+              <a:ext uri="{FF2B5EF4-FFF2-40B4-BE49-F238E27FC236}">
+                <a16:creationId xmlns:a16="http://schemas.microsoft.com/office/drawing/2014/main" id="{00E53579-7B0E-4C54-B07A-6FFF8C6D96AD}"/>
+              </a:ext>
+            </a:extLst>
+          </p:cNvPr>
+          <p:cNvPicPr>
+            <a:picLocks noChangeAspect="1"/>
+          </p:cNvPicPr>
+          <p:nvPr/>
+        </p:nvPicPr>
+        <p:blipFill>
+          <a:blip r:embed="rId7"/>
+          <a:stretch>
+            <a:fillRect/>
+          </a:stretch>
+        </p:blipFill>
+        <p:spPr>
+          <a:xfrm>
+            <a:off x="1115631" y="4388805"/>
+            <a:ext cx="5693542" cy="314962"/>
+          </a:xfrm>
+          <a:prstGeom prst="rect">
+            <a:avLst/>
+          </a:prstGeom>
+        </p:spPr>
+      </p:pic>
+    </p:spTree>
+    <p:extLst>
+      <p:ext uri="{BB962C8B-B14F-4D97-AF65-F5344CB8AC3E}">
+        <p14:creationId xmlns:p14="http://schemas.microsoft.com/office/powerpoint/2010/main" val="495058714"/>
+      </p:ext>
+    </p:extLst>
+  </p:cSld>
+  <p:clrMapOvr>
+    <a:masterClrMapping/>
+  </p:clrMapOvr>
+</p:sld>
+</file>
+
+<file path=ppt/slides/slide6.xml><?xml version="1.0" encoding="utf-8"?>
+<p:sld xmlns:a="http://schemas.openxmlformats.org/drawingml/2006/main" xmlns:r="http://schemas.openxmlformats.org/officeDocument/2006/relationships" xmlns:p="http://schemas.openxmlformats.org/presentationml/2006/main">
+  <p:cSld>
+    <p:spTree>
+      <p:nvGrpSpPr>
+        <p:cNvPr id="1" name=""/>
+        <p:cNvGrpSpPr/>
+        <p:nvPr/>
+      </p:nvGrpSpPr>
+      <p:grpSpPr>
+        <a:xfrm>
+          <a:off x="0" y="0"/>
+          <a:ext cx="0" cy="0"/>
+          <a:chOff x="0" y="0"/>
+          <a:chExt cx="0" cy="0"/>
+        </a:xfrm>
+      </p:grpSpPr>
+      <p:sp>
+        <p:nvSpPr>
+          <p:cNvPr id="2" name="Titel 1">
+            <a:extLst>
+              <a:ext uri="{FF2B5EF4-FFF2-40B4-BE49-F238E27FC236}">
+                <a16:creationId xmlns:a16="http://schemas.microsoft.com/office/drawing/2014/main" id="{7FD9FCBF-76AE-430D-9C88-BAF7A5284691}"/>
+              </a:ext>
+            </a:extLst>
+          </p:cNvPr>
+          <p:cNvSpPr>
+            <a:spLocks noGrp="1"/>
+          </p:cNvSpPr>
+          <p:nvPr>
+            <p:ph type="title"/>
+          </p:nvPr>
+        </p:nvSpPr>
+        <p:spPr/>
+        <p:txBody>
+          <a:bodyPr/>
+          <a:lstStyle/>
+          <a:p>
+            <a:r>
+              <a:rPr lang="en-US" dirty="0"/>
+              <a:t>Result&lt;T, E&gt;</a:t>
+            </a:r>
+            <a:br>
+              <a:rPr lang="en-US" dirty="0"/>
+            </a:br>
+            <a:r>
+              <a:rPr lang="en-US" sz="4000" dirty="0"/>
+              <a:t>Properties</a:t>
+            </a:r>
+            <a:endParaRPr lang="en-US" dirty="0"/>
+          </a:p>
+        </p:txBody>
+      </p:sp>
+      <p:sp>
+        <p:nvSpPr>
+          <p:cNvPr id="3" name="Inhaltsplatzhalter 2">
+            <a:extLst>
+              <a:ext uri="{FF2B5EF4-FFF2-40B4-BE49-F238E27FC236}">
+                <a16:creationId xmlns:a16="http://schemas.microsoft.com/office/drawing/2014/main" id="{F0FBBCE1-33B5-432A-A0AA-5F656A992533}"/>
+              </a:ext>
+            </a:extLst>
+          </p:cNvPr>
+          <p:cNvSpPr>
+            <a:spLocks noGrp="1"/>
+          </p:cNvSpPr>
+          <p:nvPr>
+            <p:ph idx="1"/>
+          </p:nvPr>
+        </p:nvSpPr>
+        <p:spPr/>
+        <p:txBody>
+          <a:bodyPr/>
+          <a:lstStyle/>
+          <a:p>
+            <a:r>
+              <a:rPr lang="en-US" dirty="0"/>
+              <a:t>For initialization, optional values, null-pointer emulation, etc.</a:t>
+            </a:r>
+          </a:p>
+          <a:p>
+            <a:r>
+              <a:rPr lang="en-US" dirty="0"/>
+              <a:t>Null-Pointer-Optimization:</a:t>
+            </a:r>
+          </a:p>
+          <a:p>
+            <a:pPr lvl="1"/>
+            <a:r>
+              <a:rPr lang="en-US" sz="1600" b="1" dirty="0">
+                <a:solidFill>
+                  <a:schemeClr val="tx1"/>
+                </a:solidFill>
+                <a:latin typeface="Courier New" panose="02070309020205020404" pitchFamily="49" charset="0"/>
+                <a:cs typeface="Courier New" panose="02070309020205020404" pitchFamily="49" charset="0"/>
+              </a:rPr>
+              <a:t>Option&lt;Box&lt;T&gt;&gt; </a:t>
+            </a:r>
+            <a:r>
+              <a:rPr lang="en-US" dirty="0"/>
+              <a:t>or </a:t>
+            </a:r>
+            <a:r>
+              <a:rPr lang="en-US" sz="1600" dirty="0">
+                <a:solidFill>
+                  <a:schemeClr val="tx1"/>
+                </a:solidFill>
+                <a:latin typeface="Courier New" panose="02070309020205020404" pitchFamily="49" charset="0"/>
+                <a:cs typeface="Courier New" panose="02070309020205020404" pitchFamily="49" charset="0"/>
+              </a:rPr>
+              <a:t>Option&lt;&amp;T&gt; </a:t>
+            </a:r>
+            <a:r>
+              <a:rPr lang="en-US" dirty="0"/>
+              <a:t>have only the size of a raw pointer. =&gt; DEMO</a:t>
+            </a:r>
+          </a:p>
+          <a:p>
+            <a:r>
+              <a:rPr lang="en-US" dirty="0"/>
+              <a:t>Has: </a:t>
+            </a:r>
+          </a:p>
+        </p:txBody>
+      </p:sp>
+      <p:sp>
+        <p:nvSpPr>
+          <p:cNvPr id="4" name="Datumsplatzhalter 3">
+            <a:extLst>
+              <a:ext uri="{FF2B5EF4-FFF2-40B4-BE49-F238E27FC236}">
+                <a16:creationId xmlns:a16="http://schemas.microsoft.com/office/drawing/2014/main" id="{5DBEE3B3-05E5-417E-BA2B-97102FA598C0}"/>
+              </a:ext>
+            </a:extLst>
+          </p:cNvPr>
+          <p:cNvSpPr>
+            <a:spLocks noGrp="1"/>
+          </p:cNvSpPr>
+          <p:nvPr>
+            <p:ph type="dt" sz="half" idx="10"/>
+          </p:nvPr>
+        </p:nvSpPr>
+        <p:spPr/>
+        <p:txBody>
+          <a:bodyPr/>
+          <a:lstStyle/>
+          <a:p>
+            <a:fld id="{D48541D9-3425-4F48-A2D7-73AB15E3F4EF}" type="datetime1">
+              <a:rPr lang="de-DE" smtClean="0"/>
+              <a:t>04.08.2019</a:t>
+            </a:fld>
+            <a:endParaRPr lang="de-DE"/>
+          </a:p>
+        </p:txBody>
+      </p:sp>
+      <p:sp>
+        <p:nvSpPr>
+          <p:cNvPr id="5" name="Fußzeilenplatzhalter 4">
+            <a:extLst>
+              <a:ext uri="{FF2B5EF4-FFF2-40B4-BE49-F238E27FC236}">
+                <a16:creationId xmlns:a16="http://schemas.microsoft.com/office/drawing/2014/main" id="{8B6EC505-F67A-4DB7-AE56-CA123D0D046E}"/>
+              </a:ext>
+            </a:extLst>
+          </p:cNvPr>
+          <p:cNvSpPr>
+            <a:spLocks noGrp="1"/>
+          </p:cNvSpPr>
+          <p:nvPr>
+            <p:ph type="ftr" sz="quarter" idx="11"/>
+          </p:nvPr>
+        </p:nvSpPr>
+        <p:spPr/>
+        <p:txBody>
+          <a:bodyPr/>
+          <a:lstStyle/>
+          <a:p>
+            <a:r>
+              <a:rPr lang="en-US"/>
+              <a:t>Introduction to the Rust Programming Language</a:t>
+            </a:r>
+            <a:endParaRPr lang="de-DE" dirty="0"/>
+          </a:p>
+        </p:txBody>
+      </p:sp>
+      <p:sp>
+        <p:nvSpPr>
+          <p:cNvPr id="6" name="Foliennummernplatzhalter 5">
+            <a:extLst>
+              <a:ext uri="{FF2B5EF4-FFF2-40B4-BE49-F238E27FC236}">
+                <a16:creationId xmlns:a16="http://schemas.microsoft.com/office/drawing/2014/main" id="{579A2129-9B2E-4850-A819-8F24A7554F10}"/>
+              </a:ext>
+            </a:extLst>
+          </p:cNvPr>
+          <p:cNvSpPr>
+            <a:spLocks noGrp="1"/>
+          </p:cNvSpPr>
+          <p:nvPr>
+            <p:ph type="sldNum" sz="quarter" idx="12"/>
+          </p:nvPr>
+        </p:nvSpPr>
+        <p:spPr/>
+        <p:txBody>
+          <a:bodyPr/>
+          <a:lstStyle/>
+          <a:p>
+            <a:fld id="{DD84331A-EC78-42D6-8523-DC2F55A89D6A}" type="slidenum">
+              <a:rPr lang="de-DE" smtClean="0"/>
+              <a:pPr/>
+              <a:t>6</a:t>
+            </a:fld>
+            <a:endParaRPr lang="de-DE" dirty="0"/>
+          </a:p>
+        </p:txBody>
+      </p:sp>
+      <p:pic>
+        <p:nvPicPr>
+          <p:cNvPr id="7" name="Grafik 6">
+            <a:extLst>
+              <a:ext uri="{FF2B5EF4-FFF2-40B4-BE49-F238E27FC236}">
+                <a16:creationId xmlns:a16="http://schemas.microsoft.com/office/drawing/2014/main" id="{71E478D4-8F89-40E5-91C4-94834F337846}"/>
+              </a:ext>
+            </a:extLst>
+          </p:cNvPr>
+          <p:cNvPicPr>
+            <a:picLocks noChangeAspect="1"/>
+          </p:cNvPicPr>
+          <p:nvPr/>
+        </p:nvPicPr>
+        <p:blipFill>
+          <a:blip r:embed="rId2">
+            <a:extLst>
+              <a:ext uri="{28A0092B-C50C-407E-A947-70E740481C1C}">
+                <a14:useLocalDpi xmlns:a14="http://schemas.microsoft.com/office/drawing/2010/main" val="0"/>
+              </a:ext>
+            </a:extLst>
+          </a:blip>
+          <a:stretch>
+            <a:fillRect/>
+          </a:stretch>
+        </p:blipFill>
+        <p:spPr>
+          <a:xfrm>
+            <a:off x="9900458" y="286603"/>
+            <a:ext cx="1255222" cy="1255221"/>
+          </a:xfrm>
+          <a:prstGeom prst="rect">
+            <a:avLst/>
+          </a:prstGeom>
+        </p:spPr>
+      </p:pic>
+      <p:sp>
+        <p:nvSpPr>
+          <p:cNvPr id="10" name="Textfeld 9">
+            <a:extLst>
+              <a:ext uri="{FF2B5EF4-FFF2-40B4-BE49-F238E27FC236}">
+                <a16:creationId xmlns:a16="http://schemas.microsoft.com/office/drawing/2014/main" id="{723ABBF1-379E-4065-A014-FE3AA17E86B7}"/>
+              </a:ext>
+            </a:extLst>
+          </p:cNvPr>
+          <p:cNvSpPr txBox="1"/>
+          <p:nvPr/>
+        </p:nvSpPr>
+        <p:spPr>
+          <a:xfrm>
+            <a:off x="1814078" y="3195694"/>
+            <a:ext cx="4631110" cy="1323439"/>
+          </a:xfrm>
+          <a:prstGeom prst="rect">
+            <a:avLst/>
+          </a:prstGeom>
+          <a:noFill/>
+          <a:ln>
+            <a:solidFill>
+              <a:schemeClr val="tx1"/>
+            </a:solidFill>
+          </a:ln>
+        </p:spPr>
+        <p:txBody>
+          <a:bodyPr wrap="square" rtlCol="0">
+            <a:spAutoFit/>
+          </a:bodyPr>
+          <a:lstStyle/>
+          <a:p>
+            <a:r>
+              <a:rPr lang="de-DE" sz="1600" b="1" dirty="0" err="1">
+                <a:latin typeface="Courier New" panose="02070309020205020404" pitchFamily="49" charset="0"/>
+                <a:cs typeface="Courier New" panose="02070309020205020404" pitchFamily="49" charset="0"/>
+              </a:rPr>
+              <a:t>impl</a:t>
+            </a:r>
+            <a:r>
+              <a:rPr lang="de-DE" sz="1600" b="1" dirty="0">
+                <a:latin typeface="Courier New" panose="02070309020205020404" pitchFamily="49" charset="0"/>
+                <a:cs typeface="Courier New" panose="02070309020205020404" pitchFamily="49" charset="0"/>
+              </a:rPr>
+              <a:t>&lt;T&gt; </a:t>
+            </a:r>
+            <a:r>
+              <a:rPr lang="de-DE" sz="1600" b="1" dirty="0" err="1">
+                <a:latin typeface="Courier New" panose="02070309020205020404" pitchFamily="49" charset="0"/>
+                <a:cs typeface="Courier New" panose="02070309020205020404" pitchFamily="49" charset="0"/>
+              </a:rPr>
+              <a:t>IntoIterator</a:t>
+            </a:r>
+            <a:r>
+              <a:rPr lang="de-DE" sz="1600" b="1" dirty="0">
+                <a:latin typeface="Courier New" panose="02070309020205020404" pitchFamily="49" charset="0"/>
+                <a:cs typeface="Courier New" panose="02070309020205020404" pitchFamily="49" charset="0"/>
+              </a:rPr>
+              <a:t> </a:t>
+            </a:r>
+            <a:r>
+              <a:rPr lang="de-DE" sz="1600" b="1" dirty="0" err="1">
+                <a:latin typeface="Courier New" panose="02070309020205020404" pitchFamily="49" charset="0"/>
+                <a:cs typeface="Courier New" panose="02070309020205020404" pitchFamily="49" charset="0"/>
+              </a:rPr>
+              <a:t>for</a:t>
+            </a:r>
+            <a:r>
+              <a:rPr lang="de-DE" sz="1600" b="1" dirty="0">
+                <a:latin typeface="Courier New" panose="02070309020205020404" pitchFamily="49" charset="0"/>
+                <a:cs typeface="Courier New" panose="02070309020205020404" pitchFamily="49" charset="0"/>
+              </a:rPr>
+              <a:t> Option&lt;T&gt; {</a:t>
+            </a:r>
+          </a:p>
+          <a:p>
+            <a:r>
+              <a:rPr lang="de-DE" sz="1600" b="1" dirty="0">
+                <a:latin typeface="Courier New" panose="02070309020205020404" pitchFamily="49" charset="0"/>
+                <a:cs typeface="Courier New" panose="02070309020205020404" pitchFamily="49" charset="0"/>
+              </a:rPr>
+              <a:t>  type Item = T;</a:t>
+            </a:r>
+          </a:p>
+          <a:p>
+            <a:r>
+              <a:rPr lang="de-DE" sz="1600" b="1" dirty="0">
+                <a:latin typeface="Courier New" panose="02070309020205020404" pitchFamily="49" charset="0"/>
+                <a:cs typeface="Courier New" panose="02070309020205020404" pitchFamily="49" charset="0"/>
+              </a:rPr>
+              <a:t>  </a:t>
+            </a:r>
+          </a:p>
+          <a:p>
+            <a:r>
+              <a:rPr lang="de-DE" sz="1600" b="1" dirty="0">
+                <a:latin typeface="Courier New" panose="02070309020205020404" pitchFamily="49" charset="0"/>
+                <a:cs typeface="Courier New" panose="02070309020205020404" pitchFamily="49" charset="0"/>
+              </a:rPr>
+              <a:t>  //...</a:t>
+            </a:r>
+          </a:p>
+          <a:p>
+            <a:r>
+              <a:rPr lang="de-DE" sz="1600" b="1" dirty="0">
+                <a:latin typeface="Courier New" panose="02070309020205020404" pitchFamily="49" charset="0"/>
+                <a:cs typeface="Courier New" panose="02070309020205020404" pitchFamily="49" charset="0"/>
+              </a:rPr>
+              <a:t>}</a:t>
+            </a:r>
+          </a:p>
+        </p:txBody>
+      </p:sp>
+    </p:spTree>
+    <p:extLst>
+      <p:ext uri="{BB962C8B-B14F-4D97-AF65-F5344CB8AC3E}">
+        <p14:creationId xmlns:p14="http://schemas.microsoft.com/office/powerpoint/2010/main" val="105414280"/>
       </p:ext>
     </p:extLst>
   </p:cSld>

--- a/meetup_1/error_handling/error_handling.pptx
+++ b/meetup_1/error_handling/error_handling.pptx
@@ -5,7 +5,7 @@
     <p:sldMasterId id="2147483882" r:id="rId1"/>
   </p:sldMasterIdLst>
   <p:notesMasterIdLst>
-    <p:notesMasterId r:id="rId8"/>
+    <p:notesMasterId r:id="rId15"/>
   </p:notesMasterIdLst>
   <p:sldIdLst>
     <p:sldId id="256" r:id="rId2"/>
@@ -14,6 +14,13 @@
     <p:sldId id="264" r:id="rId5"/>
     <p:sldId id="265" r:id="rId6"/>
     <p:sldId id="266" r:id="rId7"/>
+    <p:sldId id="267" r:id="rId8"/>
+    <p:sldId id="268" r:id="rId9"/>
+    <p:sldId id="269" r:id="rId10"/>
+    <p:sldId id="270" r:id="rId11"/>
+    <p:sldId id="271" r:id="rId12"/>
+    <p:sldId id="272" r:id="rId13"/>
+    <p:sldId id="273" r:id="rId14"/>
   </p:sldIdLst>
   <p:sldSz cx="12192000" cy="6858000"/>
   <p:notesSz cx="6858000" cy="9144000"/>
@@ -227,7 +234,7 @@
           <a:p>
             <a:fld id="{4E2AE157-6DE1-446C-A3E7-9AFE0F03EEFC}" type="datetimeFigureOut">
               <a:rPr lang="de-DE" smtClean="0"/>
-              <a:t>04.08.2019</a:t>
+              <a:t>07.08.2019</a:t>
             </a:fld>
             <a:endParaRPr lang="de-DE"/>
           </a:p>
@@ -720,7 +727,7 @@
           <a:p>
             <a:fld id="{BFA69F99-3D32-4F81-B1E2-C4A3CA9E3369}" type="datetime1">
               <a:rPr lang="de-DE" smtClean="0"/>
-              <a:t>04.08.2019</a:t>
+              <a:t>07.08.2019</a:t>
             </a:fld>
             <a:endParaRPr lang="de-DE" dirty="0"/>
           </a:p>
@@ -933,7 +940,7 @@
           <a:p>
             <a:fld id="{ACDEA364-EFE0-4F7F-A8F7-637DD2099D71}" type="datetime1">
               <a:rPr lang="de-DE" smtClean="0"/>
-              <a:t>04.08.2019</a:t>
+              <a:t>07.08.2019</a:t>
             </a:fld>
             <a:endParaRPr lang="de-DE"/>
           </a:p>
@@ -1193,7 +1200,7 @@
           <a:p>
             <a:fld id="{AB832342-BC8E-4A08-A067-EAED04AFD6F9}" type="datetime1">
               <a:rPr lang="de-DE" smtClean="0"/>
-              <a:t>04.08.2019</a:t>
+              <a:t>07.08.2019</a:t>
             </a:fld>
             <a:endParaRPr lang="de-DE"/>
           </a:p>
@@ -1367,7 +1374,7 @@
           <a:p>
             <a:fld id="{D48541D9-3425-4F48-A2D7-73AB15E3F4EF}" type="datetime1">
               <a:rPr lang="de-DE" smtClean="0"/>
-              <a:t>04.08.2019</a:t>
+              <a:t>07.08.2019</a:t>
             </a:fld>
             <a:endParaRPr lang="de-DE"/>
           </a:p>
@@ -1715,7 +1722,7 @@
           <a:p>
             <a:fld id="{C1423FA5-A3BF-4531-A2D6-3B8816C04DFD}" type="datetime1">
               <a:rPr lang="de-DE" smtClean="0"/>
-              <a:t>04.08.2019</a:t>
+              <a:t>07.08.2019</a:t>
             </a:fld>
             <a:endParaRPr lang="de-DE"/>
           </a:p>
@@ -1995,7 +2002,7 @@
           <a:p>
             <a:fld id="{12A632CD-6399-41EE-B6CF-063E31C858CB}" type="datetime1">
               <a:rPr lang="de-DE" smtClean="0"/>
-              <a:t>04.08.2019</a:t>
+              <a:t>07.08.2019</a:t>
             </a:fld>
             <a:endParaRPr lang="de-DE"/>
           </a:p>
@@ -2379,7 +2386,7 @@
           <a:p>
             <a:fld id="{B376F389-7242-4DDC-A144-D5A6B73575C3}" type="datetime1">
               <a:rPr lang="de-DE" smtClean="0"/>
-              <a:t>04.08.2019</a:t>
+              <a:t>07.08.2019</a:t>
             </a:fld>
             <a:endParaRPr lang="de-DE"/>
           </a:p>
@@ -2502,7 +2509,7 @@
           <a:p>
             <a:fld id="{37FBC97C-D036-4D9A-8D92-BD184CA83A71}" type="datetime1">
               <a:rPr lang="de-DE" smtClean="0"/>
-              <a:t>04.08.2019</a:t>
+              <a:t>07.08.2019</a:t>
             </a:fld>
             <a:endParaRPr lang="de-DE"/>
           </a:p>
@@ -2678,7 +2685,7 @@
           <a:p>
             <a:fld id="{37EA3054-E79E-4409-B85C-91FC48553996}" type="datetime1">
               <a:rPr lang="de-DE" smtClean="0"/>
-              <a:t>04.08.2019</a:t>
+              <a:t>07.08.2019</a:t>
             </a:fld>
             <a:endParaRPr lang="de-DE"/>
           </a:p>
@@ -3037,7 +3044,7 @@
           <a:p>
             <a:fld id="{B5DCC46F-FEC1-4334-B9C7-E8D4422ACF7B}" type="datetime1">
               <a:rPr lang="de-DE" smtClean="0"/>
-              <a:t>04.08.2019</a:t>
+              <a:t>07.08.2019</a:t>
             </a:fld>
             <a:endParaRPr lang="de-DE"/>
           </a:p>
@@ -3423,7 +3430,7 @@
           <a:p>
             <a:fld id="{E0382F3F-9E83-4FFB-9433-CB73888605B1}" type="datetime1">
               <a:rPr lang="de-DE" smtClean="0"/>
-              <a:t>04.08.2019</a:t>
+              <a:t>07.08.2019</a:t>
             </a:fld>
             <a:endParaRPr lang="de-DE"/>
           </a:p>
@@ -3714,7 +3721,7 @@
           <a:p>
             <a:fld id="{C9AE48E4-6E71-4D9B-8328-6E9BAE779BE4}" type="datetime1">
               <a:rPr lang="de-DE" smtClean="0"/>
-              <a:t>04.08.2019</a:t>
+              <a:t>07.08.2019</a:t>
             </a:fld>
             <a:endParaRPr lang="de-DE"/>
           </a:p>
@@ -4411,6 +4418,1607 @@
 </p:sld>
 </file>
 
+<file path=ppt/slides/slide10.xml><?xml version="1.0" encoding="utf-8"?>
+<p:sld xmlns:a="http://schemas.openxmlformats.org/drawingml/2006/main" xmlns:r="http://schemas.openxmlformats.org/officeDocument/2006/relationships" xmlns:p="http://schemas.openxmlformats.org/presentationml/2006/main">
+  <p:cSld>
+    <p:spTree>
+      <p:nvGrpSpPr>
+        <p:cNvPr id="1" name=""/>
+        <p:cNvGrpSpPr/>
+        <p:nvPr/>
+      </p:nvGrpSpPr>
+      <p:grpSpPr>
+        <a:xfrm>
+          <a:off x="0" y="0"/>
+          <a:ext cx="0" cy="0"/>
+          <a:chOff x="0" y="0"/>
+          <a:chExt cx="0" cy="0"/>
+        </a:xfrm>
+      </p:grpSpPr>
+      <p:sp>
+        <p:nvSpPr>
+          <p:cNvPr id="2" name="Titel 1">
+            <a:extLst>
+              <a:ext uri="{FF2B5EF4-FFF2-40B4-BE49-F238E27FC236}">
+                <a16:creationId xmlns:a16="http://schemas.microsoft.com/office/drawing/2014/main" id="{7FD9FCBF-76AE-430D-9C88-BAF7A5284691}"/>
+              </a:ext>
+            </a:extLst>
+          </p:cNvPr>
+          <p:cNvSpPr>
+            <a:spLocks noGrp="1"/>
+          </p:cNvSpPr>
+          <p:nvPr>
+            <p:ph type="title"/>
+          </p:nvPr>
+        </p:nvSpPr>
+        <p:spPr/>
+        <p:txBody>
+          <a:bodyPr>
+            <a:normAutofit/>
+          </a:bodyPr>
+          <a:lstStyle/>
+          <a:p>
+            <a:r>
+              <a:rPr lang="en-US" dirty="0"/>
+              <a:t>Error handling patterns</a:t>
+            </a:r>
+            <a:br>
+              <a:rPr lang="en-US" dirty="0"/>
+            </a:br>
+            <a:r>
+              <a:rPr lang="en-US" sz="4000" dirty="0"/>
+              <a:t>Strings</a:t>
+            </a:r>
+            <a:endParaRPr lang="en-US" dirty="0"/>
+          </a:p>
+        </p:txBody>
+      </p:sp>
+      <p:sp>
+        <p:nvSpPr>
+          <p:cNvPr id="3" name="Inhaltsplatzhalter 2">
+            <a:extLst>
+              <a:ext uri="{FF2B5EF4-FFF2-40B4-BE49-F238E27FC236}">
+                <a16:creationId xmlns:a16="http://schemas.microsoft.com/office/drawing/2014/main" id="{F0FBBCE1-33B5-432A-A0AA-5F656A992533}"/>
+              </a:ext>
+            </a:extLst>
+          </p:cNvPr>
+          <p:cNvSpPr>
+            <a:spLocks noGrp="1"/>
+          </p:cNvSpPr>
+          <p:nvPr>
+            <p:ph idx="1"/>
+          </p:nvPr>
+        </p:nvSpPr>
+        <p:spPr/>
+        <p:txBody>
+          <a:bodyPr/>
+          <a:lstStyle/>
+          <a:p>
+            <a:r>
+              <a:rPr lang="en-US" dirty="0"/>
+              <a:t>Use </a:t>
+            </a:r>
+            <a:r>
+              <a:rPr lang="en-US" sz="1800" b="1" dirty="0">
+                <a:solidFill>
+                  <a:schemeClr val="tx1"/>
+                </a:solidFill>
+                <a:latin typeface="Courier New" panose="02070309020205020404" pitchFamily="49" charset="0"/>
+                <a:cs typeface="Courier New" panose="02070309020205020404" pitchFamily="49" charset="0"/>
+              </a:rPr>
+              <a:t>Result&lt;_, String&gt;</a:t>
+            </a:r>
+            <a:r>
+              <a:rPr lang="en-US" dirty="0"/>
+              <a:t>.</a:t>
+            </a:r>
+          </a:p>
+          <a:p>
+            <a:r>
+              <a:rPr lang="en-US" dirty="0"/>
+              <a:t>Suitable for quick prototyping or small examples.</a:t>
+            </a:r>
+          </a:p>
+          <a:p>
+            <a:r>
+              <a:rPr lang="en-US" dirty="0"/>
+              <a:t>Hard for callers to inspect.</a:t>
+            </a:r>
+          </a:p>
+          <a:p>
+            <a:pPr lvl="1"/>
+            <a:r>
+              <a:rPr lang="en-US" dirty="0"/>
+              <a:t>Would have to pattern match against strings.</a:t>
+            </a:r>
+          </a:p>
+          <a:p>
+            <a:pPr lvl="1"/>
+            <a:r>
+              <a:rPr lang="en-US" dirty="0"/>
+              <a:t>Changes in error(message)s are hard to track.</a:t>
+            </a:r>
+          </a:p>
+          <a:p>
+            <a:pPr lvl="1"/>
+            <a:r>
+              <a:rPr lang="en-US" dirty="0"/>
+              <a:t>Changes could cause silent breaks in calling code!</a:t>
+            </a:r>
+          </a:p>
+          <a:p>
+            <a:r>
+              <a:rPr lang="en-US" dirty="0"/>
+              <a:t>Very bad for bigger applications.</a:t>
+            </a:r>
+          </a:p>
+        </p:txBody>
+      </p:sp>
+      <p:sp>
+        <p:nvSpPr>
+          <p:cNvPr id="4" name="Datumsplatzhalter 3">
+            <a:extLst>
+              <a:ext uri="{FF2B5EF4-FFF2-40B4-BE49-F238E27FC236}">
+                <a16:creationId xmlns:a16="http://schemas.microsoft.com/office/drawing/2014/main" id="{5DBEE3B3-05E5-417E-BA2B-97102FA598C0}"/>
+              </a:ext>
+            </a:extLst>
+          </p:cNvPr>
+          <p:cNvSpPr>
+            <a:spLocks noGrp="1"/>
+          </p:cNvSpPr>
+          <p:nvPr>
+            <p:ph type="dt" sz="half" idx="10"/>
+          </p:nvPr>
+        </p:nvSpPr>
+        <p:spPr/>
+        <p:txBody>
+          <a:bodyPr/>
+          <a:lstStyle/>
+          <a:p>
+            <a:fld id="{D48541D9-3425-4F48-A2D7-73AB15E3F4EF}" type="datetime1">
+              <a:rPr lang="de-DE" smtClean="0"/>
+              <a:t>07.08.2019</a:t>
+            </a:fld>
+            <a:endParaRPr lang="de-DE"/>
+          </a:p>
+        </p:txBody>
+      </p:sp>
+      <p:sp>
+        <p:nvSpPr>
+          <p:cNvPr id="5" name="Fußzeilenplatzhalter 4">
+            <a:extLst>
+              <a:ext uri="{FF2B5EF4-FFF2-40B4-BE49-F238E27FC236}">
+                <a16:creationId xmlns:a16="http://schemas.microsoft.com/office/drawing/2014/main" id="{8B6EC505-F67A-4DB7-AE56-CA123D0D046E}"/>
+              </a:ext>
+            </a:extLst>
+          </p:cNvPr>
+          <p:cNvSpPr>
+            <a:spLocks noGrp="1"/>
+          </p:cNvSpPr>
+          <p:nvPr>
+            <p:ph type="ftr" sz="quarter" idx="11"/>
+          </p:nvPr>
+        </p:nvSpPr>
+        <p:spPr/>
+        <p:txBody>
+          <a:bodyPr/>
+          <a:lstStyle/>
+          <a:p>
+            <a:r>
+              <a:rPr lang="en-US"/>
+              <a:t>Introduction to the Rust Programming Language</a:t>
+            </a:r>
+            <a:endParaRPr lang="de-DE" dirty="0"/>
+          </a:p>
+        </p:txBody>
+      </p:sp>
+      <p:sp>
+        <p:nvSpPr>
+          <p:cNvPr id="6" name="Foliennummernplatzhalter 5">
+            <a:extLst>
+              <a:ext uri="{FF2B5EF4-FFF2-40B4-BE49-F238E27FC236}">
+                <a16:creationId xmlns:a16="http://schemas.microsoft.com/office/drawing/2014/main" id="{579A2129-9B2E-4850-A819-8F24A7554F10}"/>
+              </a:ext>
+            </a:extLst>
+          </p:cNvPr>
+          <p:cNvSpPr>
+            <a:spLocks noGrp="1"/>
+          </p:cNvSpPr>
+          <p:nvPr>
+            <p:ph type="sldNum" sz="quarter" idx="12"/>
+          </p:nvPr>
+        </p:nvSpPr>
+        <p:spPr/>
+        <p:txBody>
+          <a:bodyPr/>
+          <a:lstStyle/>
+          <a:p>
+            <a:fld id="{DD84331A-EC78-42D6-8523-DC2F55A89D6A}" type="slidenum">
+              <a:rPr lang="de-DE" smtClean="0"/>
+              <a:pPr/>
+              <a:t>10</a:t>
+            </a:fld>
+            <a:endParaRPr lang="de-DE" dirty="0"/>
+          </a:p>
+        </p:txBody>
+      </p:sp>
+      <p:pic>
+        <p:nvPicPr>
+          <p:cNvPr id="7" name="Grafik 6">
+            <a:extLst>
+              <a:ext uri="{FF2B5EF4-FFF2-40B4-BE49-F238E27FC236}">
+                <a16:creationId xmlns:a16="http://schemas.microsoft.com/office/drawing/2014/main" id="{71E478D4-8F89-40E5-91C4-94834F337846}"/>
+              </a:ext>
+            </a:extLst>
+          </p:cNvPr>
+          <p:cNvPicPr>
+            <a:picLocks noChangeAspect="1"/>
+          </p:cNvPicPr>
+          <p:nvPr/>
+        </p:nvPicPr>
+        <p:blipFill>
+          <a:blip r:embed="rId2">
+            <a:extLst>
+              <a:ext uri="{28A0092B-C50C-407E-A947-70E740481C1C}">
+                <a14:useLocalDpi xmlns:a14="http://schemas.microsoft.com/office/drawing/2010/main" val="0"/>
+              </a:ext>
+            </a:extLst>
+          </a:blip>
+          <a:stretch>
+            <a:fillRect/>
+          </a:stretch>
+        </p:blipFill>
+        <p:spPr>
+          <a:xfrm>
+            <a:off x="9900458" y="286603"/>
+            <a:ext cx="1255222" cy="1255221"/>
+          </a:xfrm>
+          <a:prstGeom prst="rect">
+            <a:avLst/>
+          </a:prstGeom>
+        </p:spPr>
+      </p:pic>
+    </p:spTree>
+    <p:extLst>
+      <p:ext uri="{BB962C8B-B14F-4D97-AF65-F5344CB8AC3E}">
+        <p14:creationId xmlns:p14="http://schemas.microsoft.com/office/powerpoint/2010/main" val="1922721350"/>
+      </p:ext>
+    </p:extLst>
+  </p:cSld>
+  <p:clrMapOvr>
+    <a:masterClrMapping/>
+  </p:clrMapOvr>
+</p:sld>
+</file>
+
+<file path=ppt/slides/slide11.xml><?xml version="1.0" encoding="utf-8"?>
+<p:sld xmlns:a="http://schemas.openxmlformats.org/drawingml/2006/main" xmlns:r="http://schemas.openxmlformats.org/officeDocument/2006/relationships" xmlns:p="http://schemas.openxmlformats.org/presentationml/2006/main">
+  <p:cSld>
+    <p:spTree>
+      <p:nvGrpSpPr>
+        <p:cNvPr id="1" name=""/>
+        <p:cNvGrpSpPr/>
+        <p:nvPr/>
+      </p:nvGrpSpPr>
+      <p:grpSpPr>
+        <a:xfrm>
+          <a:off x="0" y="0"/>
+          <a:ext cx="0" cy="0"/>
+          <a:chOff x="0" y="0"/>
+          <a:chExt cx="0" cy="0"/>
+        </a:xfrm>
+      </p:grpSpPr>
+      <p:sp>
+        <p:nvSpPr>
+          <p:cNvPr id="2" name="Titel 1">
+            <a:extLst>
+              <a:ext uri="{FF2B5EF4-FFF2-40B4-BE49-F238E27FC236}">
+                <a16:creationId xmlns:a16="http://schemas.microsoft.com/office/drawing/2014/main" id="{7FD9FCBF-76AE-430D-9C88-BAF7A5284691}"/>
+              </a:ext>
+            </a:extLst>
+          </p:cNvPr>
+          <p:cNvSpPr>
+            <a:spLocks noGrp="1"/>
+          </p:cNvSpPr>
+          <p:nvPr>
+            <p:ph type="title"/>
+          </p:nvPr>
+        </p:nvSpPr>
+        <p:spPr/>
+        <p:txBody>
+          <a:bodyPr>
+            <a:normAutofit/>
+          </a:bodyPr>
+          <a:lstStyle/>
+          <a:p>
+            <a:r>
+              <a:rPr lang="en-US" dirty="0"/>
+              <a:t>Error handling patterns</a:t>
+            </a:r>
+            <a:br>
+              <a:rPr lang="en-US" dirty="0"/>
+            </a:br>
+            <a:r>
+              <a:rPr lang="en-US" sz="4000" dirty="0"/>
+              <a:t>Custom Error type</a:t>
+            </a:r>
+            <a:endParaRPr lang="en-US" dirty="0"/>
+          </a:p>
+        </p:txBody>
+      </p:sp>
+      <p:sp>
+        <p:nvSpPr>
+          <p:cNvPr id="3" name="Inhaltsplatzhalter 2">
+            <a:extLst>
+              <a:ext uri="{FF2B5EF4-FFF2-40B4-BE49-F238E27FC236}">
+                <a16:creationId xmlns:a16="http://schemas.microsoft.com/office/drawing/2014/main" id="{F0FBBCE1-33B5-432A-A0AA-5F656A992533}"/>
+              </a:ext>
+            </a:extLst>
+          </p:cNvPr>
+          <p:cNvSpPr>
+            <a:spLocks noGrp="1"/>
+          </p:cNvSpPr>
+          <p:nvPr>
+            <p:ph idx="1"/>
+          </p:nvPr>
+        </p:nvSpPr>
+        <p:spPr/>
+        <p:txBody>
+          <a:bodyPr/>
+          <a:lstStyle/>
+          <a:p>
+            <a:r>
+              <a:rPr lang="en-US" dirty="0"/>
+              <a:t>Use an own implementation of  </a:t>
+            </a:r>
+            <a:r>
+              <a:rPr lang="en-US" sz="1800" b="1" dirty="0">
+                <a:solidFill>
+                  <a:schemeClr val="tx1"/>
+                </a:solidFill>
+                <a:latin typeface="Courier New" panose="02070309020205020404" pitchFamily="49" charset="0"/>
+                <a:cs typeface="Courier New" panose="02070309020205020404" pitchFamily="49" charset="0"/>
+              </a:rPr>
+              <a:t>Error</a:t>
+            </a:r>
+            <a:r>
+              <a:rPr lang="en-US" dirty="0"/>
+              <a:t>.</a:t>
+            </a:r>
+          </a:p>
+          <a:p>
+            <a:r>
+              <a:rPr lang="en-US" dirty="0"/>
+              <a:t>Often an </a:t>
+            </a:r>
+            <a:r>
+              <a:rPr lang="en-US" sz="1800" b="1" dirty="0" err="1">
+                <a:solidFill>
+                  <a:schemeClr val="tx1"/>
+                </a:solidFill>
+                <a:latin typeface="Courier New" panose="02070309020205020404" pitchFamily="49" charset="0"/>
+                <a:cs typeface="Courier New" panose="02070309020205020404" pitchFamily="49" charset="0"/>
+              </a:rPr>
+              <a:t>enum</a:t>
+            </a:r>
+            <a:r>
+              <a:rPr lang="en-US" dirty="0"/>
+              <a:t>.</a:t>
+            </a:r>
+          </a:p>
+          <a:p>
+            <a:pPr lvl="1"/>
+            <a:r>
+              <a:rPr lang="en-US" dirty="0"/>
+              <a:t>Callers can inspect the occurred error, e.g. </a:t>
+            </a:r>
+            <a:r>
+              <a:rPr lang="en-US" sz="1600" b="1" dirty="0">
+                <a:solidFill>
+                  <a:schemeClr val="tx1"/>
+                </a:solidFill>
+                <a:latin typeface="Courier New" panose="02070309020205020404" pitchFamily="49" charset="0"/>
+                <a:cs typeface="Courier New" panose="02070309020205020404" pitchFamily="49" charset="0"/>
+              </a:rPr>
+              <a:t>match</a:t>
+            </a:r>
+            <a:r>
+              <a:rPr lang="en-US" dirty="0"/>
+              <a:t>.</a:t>
+            </a:r>
+          </a:p>
+          <a:p>
+            <a:r>
+              <a:rPr lang="en-US" dirty="0"/>
+              <a:t>Many crates for building error types, e.g. </a:t>
+            </a:r>
+            <a:r>
+              <a:rPr lang="en-US" sz="1800" b="1" dirty="0">
+                <a:solidFill>
+                  <a:schemeClr val="tx1"/>
+                </a:solidFill>
+                <a:latin typeface="Courier New" panose="02070309020205020404" pitchFamily="49" charset="0"/>
+                <a:cs typeface="Courier New" panose="02070309020205020404" pitchFamily="49" charset="0"/>
+              </a:rPr>
+              <a:t>failure</a:t>
+            </a:r>
+            <a:r>
+              <a:rPr lang="en-US" sz="1800" dirty="0"/>
+              <a:t>, </a:t>
+            </a:r>
+            <a:r>
+              <a:rPr lang="en-US" sz="1800" b="1" dirty="0" err="1">
+                <a:solidFill>
+                  <a:schemeClr val="tx1"/>
+                </a:solidFill>
+                <a:latin typeface="Courier New" panose="02070309020205020404" pitchFamily="49" charset="0"/>
+                <a:cs typeface="Courier New" panose="02070309020205020404" pitchFamily="49" charset="0"/>
+              </a:rPr>
+              <a:t>error_chain</a:t>
+            </a:r>
+            <a:r>
+              <a:rPr lang="en-US" sz="1800" dirty="0"/>
+              <a:t>, </a:t>
+            </a:r>
+            <a:r>
+              <a:rPr lang="en-US" sz="1800" b="1" dirty="0">
+                <a:solidFill>
+                  <a:schemeClr val="tx1"/>
+                </a:solidFill>
+                <a:latin typeface="Courier New" panose="02070309020205020404" pitchFamily="49" charset="0"/>
+                <a:cs typeface="Courier New" panose="02070309020205020404" pitchFamily="49" charset="0"/>
+              </a:rPr>
+              <a:t>snafu</a:t>
+            </a:r>
+            <a:r>
+              <a:rPr lang="en-US" dirty="0"/>
+              <a:t>, etc.</a:t>
+            </a:r>
+          </a:p>
+          <a:p>
+            <a:r>
+              <a:rPr lang="en-US" dirty="0"/>
+              <a:t>Recommendation use:</a:t>
+            </a:r>
+          </a:p>
+          <a:p>
+            <a:endParaRPr lang="en-US" dirty="0"/>
+          </a:p>
+          <a:p>
+            <a:endParaRPr lang="en-US" dirty="0"/>
+          </a:p>
+          <a:p>
+            <a:r>
+              <a:rPr lang="en-US" dirty="0"/>
+              <a:t>How to use </a:t>
+            </a:r>
+            <a:r>
+              <a:rPr lang="en-US" sz="1800" b="1" dirty="0">
+                <a:solidFill>
+                  <a:schemeClr val="tx1"/>
+                </a:solidFill>
+                <a:latin typeface="Courier New" panose="02070309020205020404" pitchFamily="49" charset="0"/>
+                <a:cs typeface="Courier New" panose="02070309020205020404" pitchFamily="49" charset="0"/>
+              </a:rPr>
+              <a:t>snafu</a:t>
+            </a:r>
+            <a:r>
+              <a:rPr lang="en-US" dirty="0"/>
+              <a:t> =&gt; DEMO</a:t>
+            </a:r>
+          </a:p>
+          <a:p>
+            <a:endParaRPr lang="en-US" dirty="0"/>
+          </a:p>
+        </p:txBody>
+      </p:sp>
+      <p:sp>
+        <p:nvSpPr>
+          <p:cNvPr id="4" name="Datumsplatzhalter 3">
+            <a:extLst>
+              <a:ext uri="{FF2B5EF4-FFF2-40B4-BE49-F238E27FC236}">
+                <a16:creationId xmlns:a16="http://schemas.microsoft.com/office/drawing/2014/main" id="{5DBEE3B3-05E5-417E-BA2B-97102FA598C0}"/>
+              </a:ext>
+            </a:extLst>
+          </p:cNvPr>
+          <p:cNvSpPr>
+            <a:spLocks noGrp="1"/>
+          </p:cNvSpPr>
+          <p:nvPr>
+            <p:ph type="dt" sz="half" idx="10"/>
+          </p:nvPr>
+        </p:nvSpPr>
+        <p:spPr/>
+        <p:txBody>
+          <a:bodyPr/>
+          <a:lstStyle/>
+          <a:p>
+            <a:fld id="{D48541D9-3425-4F48-A2D7-73AB15E3F4EF}" type="datetime1">
+              <a:rPr lang="de-DE" smtClean="0"/>
+              <a:t>07.08.2019</a:t>
+            </a:fld>
+            <a:endParaRPr lang="de-DE"/>
+          </a:p>
+        </p:txBody>
+      </p:sp>
+      <p:sp>
+        <p:nvSpPr>
+          <p:cNvPr id="5" name="Fußzeilenplatzhalter 4">
+            <a:extLst>
+              <a:ext uri="{FF2B5EF4-FFF2-40B4-BE49-F238E27FC236}">
+                <a16:creationId xmlns:a16="http://schemas.microsoft.com/office/drawing/2014/main" id="{8B6EC505-F67A-4DB7-AE56-CA123D0D046E}"/>
+              </a:ext>
+            </a:extLst>
+          </p:cNvPr>
+          <p:cNvSpPr>
+            <a:spLocks noGrp="1"/>
+          </p:cNvSpPr>
+          <p:nvPr>
+            <p:ph type="ftr" sz="quarter" idx="11"/>
+          </p:nvPr>
+        </p:nvSpPr>
+        <p:spPr/>
+        <p:txBody>
+          <a:bodyPr/>
+          <a:lstStyle/>
+          <a:p>
+            <a:r>
+              <a:rPr lang="en-US"/>
+              <a:t>Introduction to the Rust Programming Language</a:t>
+            </a:r>
+            <a:endParaRPr lang="de-DE" dirty="0"/>
+          </a:p>
+        </p:txBody>
+      </p:sp>
+      <p:sp>
+        <p:nvSpPr>
+          <p:cNvPr id="6" name="Foliennummernplatzhalter 5">
+            <a:extLst>
+              <a:ext uri="{FF2B5EF4-FFF2-40B4-BE49-F238E27FC236}">
+                <a16:creationId xmlns:a16="http://schemas.microsoft.com/office/drawing/2014/main" id="{579A2129-9B2E-4850-A819-8F24A7554F10}"/>
+              </a:ext>
+            </a:extLst>
+          </p:cNvPr>
+          <p:cNvSpPr>
+            <a:spLocks noGrp="1"/>
+          </p:cNvSpPr>
+          <p:nvPr>
+            <p:ph type="sldNum" sz="quarter" idx="12"/>
+          </p:nvPr>
+        </p:nvSpPr>
+        <p:spPr/>
+        <p:txBody>
+          <a:bodyPr/>
+          <a:lstStyle/>
+          <a:p>
+            <a:fld id="{DD84331A-EC78-42D6-8523-DC2F55A89D6A}" type="slidenum">
+              <a:rPr lang="de-DE" smtClean="0"/>
+              <a:pPr/>
+              <a:t>11</a:t>
+            </a:fld>
+            <a:endParaRPr lang="de-DE" dirty="0"/>
+          </a:p>
+        </p:txBody>
+      </p:sp>
+      <p:pic>
+        <p:nvPicPr>
+          <p:cNvPr id="7" name="Grafik 6">
+            <a:extLst>
+              <a:ext uri="{FF2B5EF4-FFF2-40B4-BE49-F238E27FC236}">
+                <a16:creationId xmlns:a16="http://schemas.microsoft.com/office/drawing/2014/main" id="{71E478D4-8F89-40E5-91C4-94834F337846}"/>
+              </a:ext>
+            </a:extLst>
+          </p:cNvPr>
+          <p:cNvPicPr>
+            <a:picLocks noChangeAspect="1"/>
+          </p:cNvPicPr>
+          <p:nvPr/>
+        </p:nvPicPr>
+        <p:blipFill>
+          <a:blip r:embed="rId2">
+            <a:extLst>
+              <a:ext uri="{28A0092B-C50C-407E-A947-70E740481C1C}">
+                <a14:useLocalDpi xmlns:a14="http://schemas.microsoft.com/office/drawing/2010/main" val="0"/>
+              </a:ext>
+            </a:extLst>
+          </a:blip>
+          <a:stretch>
+            <a:fillRect/>
+          </a:stretch>
+        </p:blipFill>
+        <p:spPr>
+          <a:xfrm>
+            <a:off x="9900458" y="286603"/>
+            <a:ext cx="1255222" cy="1255221"/>
+          </a:xfrm>
+          <a:prstGeom prst="rect">
+            <a:avLst/>
+          </a:prstGeom>
+        </p:spPr>
+      </p:pic>
+      <p:sp>
+        <p:nvSpPr>
+          <p:cNvPr id="8" name="Textfeld 7">
+            <a:extLst>
+              <a:ext uri="{FF2B5EF4-FFF2-40B4-BE49-F238E27FC236}">
+                <a16:creationId xmlns:a16="http://schemas.microsoft.com/office/drawing/2014/main" id="{F62E93EB-1550-449D-B36E-67E7DF8CFE34}"/>
+              </a:ext>
+            </a:extLst>
+          </p:cNvPr>
+          <p:cNvSpPr txBox="1"/>
+          <p:nvPr/>
+        </p:nvSpPr>
+        <p:spPr>
+          <a:xfrm>
+            <a:off x="1376706" y="4099281"/>
+            <a:ext cx="7518719" cy="338554"/>
+          </a:xfrm>
+          <a:prstGeom prst="rect">
+            <a:avLst/>
+          </a:prstGeom>
+          <a:noFill/>
+          <a:ln>
+            <a:solidFill>
+              <a:schemeClr val="tx1"/>
+            </a:solidFill>
+          </a:ln>
+        </p:spPr>
+        <p:txBody>
+          <a:bodyPr wrap="square" rtlCol="0">
+            <a:spAutoFit/>
+          </a:bodyPr>
+          <a:lstStyle/>
+          <a:p>
+            <a:r>
+              <a:rPr lang="de-DE" sz="1600" b="1" dirty="0" err="1">
+                <a:latin typeface="Courier New" panose="02070309020205020404" pitchFamily="49" charset="0"/>
+                <a:cs typeface="Courier New" panose="02070309020205020404" pitchFamily="49" charset="0"/>
+              </a:rPr>
+              <a:t>pub</a:t>
+            </a:r>
+            <a:r>
+              <a:rPr lang="de-DE" sz="1600" b="1" dirty="0">
+                <a:latin typeface="Courier New" panose="02070309020205020404" pitchFamily="49" charset="0"/>
+                <a:cs typeface="Courier New" panose="02070309020205020404" pitchFamily="49" charset="0"/>
+              </a:rPr>
+              <a:t> type </a:t>
+            </a:r>
+            <a:r>
+              <a:rPr lang="de-DE" sz="1600" b="1" dirty="0" err="1">
+                <a:latin typeface="Courier New" panose="02070309020205020404" pitchFamily="49" charset="0"/>
+                <a:cs typeface="Courier New" panose="02070309020205020404" pitchFamily="49" charset="0"/>
+              </a:rPr>
+              <a:t>Result</a:t>
+            </a:r>
+            <a:r>
+              <a:rPr lang="de-DE" sz="1600" b="1" dirty="0">
+                <a:latin typeface="Courier New" panose="02070309020205020404" pitchFamily="49" charset="0"/>
+                <a:cs typeface="Courier New" panose="02070309020205020404" pitchFamily="49" charset="0"/>
+              </a:rPr>
+              <a:t>&lt;T, E = </a:t>
+            </a:r>
+            <a:r>
+              <a:rPr lang="de-DE" sz="1600" b="1" dirty="0" err="1">
+                <a:latin typeface="Courier New" panose="02070309020205020404" pitchFamily="49" charset="0"/>
+                <a:cs typeface="Courier New" panose="02070309020205020404" pitchFamily="49" charset="0"/>
+              </a:rPr>
+              <a:t>MyError</a:t>
+            </a:r>
+            <a:r>
+              <a:rPr lang="de-DE" sz="1600" b="1" dirty="0">
+                <a:latin typeface="Courier New" panose="02070309020205020404" pitchFamily="49" charset="0"/>
+                <a:cs typeface="Courier New" panose="02070309020205020404" pitchFamily="49" charset="0"/>
+              </a:rPr>
+              <a:t>&gt; = </a:t>
+            </a:r>
+            <a:r>
+              <a:rPr lang="de-DE" sz="1600" b="1" dirty="0" err="1">
+                <a:latin typeface="Courier New" panose="02070309020205020404" pitchFamily="49" charset="0"/>
+                <a:cs typeface="Courier New" panose="02070309020205020404" pitchFamily="49" charset="0"/>
+              </a:rPr>
+              <a:t>std</a:t>
+            </a:r>
+            <a:r>
+              <a:rPr lang="de-DE" sz="1600" b="1" dirty="0">
+                <a:latin typeface="Courier New" panose="02070309020205020404" pitchFamily="49" charset="0"/>
+                <a:cs typeface="Courier New" panose="02070309020205020404" pitchFamily="49" charset="0"/>
+              </a:rPr>
+              <a:t>::</a:t>
+            </a:r>
+            <a:r>
+              <a:rPr lang="de-DE" sz="1600" b="1" dirty="0" err="1">
+                <a:latin typeface="Courier New" panose="02070309020205020404" pitchFamily="49" charset="0"/>
+                <a:cs typeface="Courier New" panose="02070309020205020404" pitchFamily="49" charset="0"/>
+              </a:rPr>
+              <a:t>result</a:t>
+            </a:r>
+            <a:r>
+              <a:rPr lang="de-DE" sz="1600" b="1" dirty="0">
+                <a:latin typeface="Courier New" panose="02070309020205020404" pitchFamily="49" charset="0"/>
+                <a:cs typeface="Courier New" panose="02070309020205020404" pitchFamily="49" charset="0"/>
+              </a:rPr>
+              <a:t>::</a:t>
+            </a:r>
+            <a:r>
+              <a:rPr lang="de-DE" sz="1600" b="1" dirty="0" err="1">
+                <a:latin typeface="Courier New" panose="02070309020205020404" pitchFamily="49" charset="0"/>
+                <a:cs typeface="Courier New" panose="02070309020205020404" pitchFamily="49" charset="0"/>
+              </a:rPr>
+              <a:t>Result</a:t>
+            </a:r>
+            <a:r>
+              <a:rPr lang="de-DE" sz="1600" b="1" dirty="0">
+                <a:latin typeface="Courier New" panose="02070309020205020404" pitchFamily="49" charset="0"/>
+                <a:cs typeface="Courier New" panose="02070309020205020404" pitchFamily="49" charset="0"/>
+              </a:rPr>
+              <a:t>&lt;T, E&gt;;</a:t>
+            </a:r>
+          </a:p>
+        </p:txBody>
+      </p:sp>
+    </p:spTree>
+    <p:extLst>
+      <p:ext uri="{BB962C8B-B14F-4D97-AF65-F5344CB8AC3E}">
+        <p14:creationId xmlns:p14="http://schemas.microsoft.com/office/powerpoint/2010/main" val="1446802892"/>
+      </p:ext>
+    </p:extLst>
+  </p:cSld>
+  <p:clrMapOvr>
+    <a:masterClrMapping/>
+  </p:clrMapOvr>
+  <p:timing>
+    <p:tnLst>
+      <p:par>
+        <p:cTn id="1" dur="indefinite" restart="never" nodeType="tmRoot">
+          <p:childTnLst>
+            <p:seq concurrent="1" nextAc="seek">
+              <p:cTn id="2" dur="indefinite" nodeType="mainSeq">
+                <p:childTnLst>
+                  <p:par>
+                    <p:cTn id="3" fill="hold">
+                      <p:stCondLst>
+                        <p:cond delay="indefinite"/>
+                      </p:stCondLst>
+                      <p:childTnLst>
+                        <p:par>
+                          <p:cTn id="4" fill="hold">
+                            <p:stCondLst>
+                              <p:cond delay="0"/>
+                            </p:stCondLst>
+                            <p:childTnLst>
+                              <p:par>
+                                <p:cTn id="5" presetID="1" presetClass="entr" presetSubtype="0" fill="hold" grpId="0" nodeType="clickEffect">
+                                  <p:stCondLst>
+                                    <p:cond delay="0"/>
+                                  </p:stCondLst>
+                                  <p:childTnLst>
+                                    <p:set>
+                                      <p:cBhvr>
+                                        <p:cTn id="6" dur="1" fill="hold">
+                                          <p:stCondLst>
+                                            <p:cond delay="0"/>
+                                          </p:stCondLst>
+                                        </p:cTn>
+                                        <p:tgtEl>
+                                          <p:spTgt spid="8"/>
+                                        </p:tgtEl>
+                                        <p:attrNameLst>
+                                          <p:attrName>style.visibility</p:attrName>
+                                        </p:attrNameLst>
+                                      </p:cBhvr>
+                                      <p:to>
+                                        <p:strVal val="visible"/>
+                                      </p:to>
+                                    </p:set>
+                                  </p:childTnLst>
+                                </p:cTn>
+                              </p:par>
+                            </p:childTnLst>
+                          </p:cTn>
+                        </p:par>
+                      </p:childTnLst>
+                    </p:cTn>
+                  </p:par>
+                </p:childTnLst>
+              </p:cTn>
+              <p:prevCondLst>
+                <p:cond evt="onPrev" delay="0">
+                  <p:tgtEl>
+                    <p:sldTgt/>
+                  </p:tgtEl>
+                </p:cond>
+              </p:prevCondLst>
+              <p:nextCondLst>
+                <p:cond evt="onNext" delay="0">
+                  <p:tgtEl>
+                    <p:sldTgt/>
+                  </p:tgtEl>
+                </p:cond>
+              </p:nextCondLst>
+            </p:seq>
+          </p:childTnLst>
+        </p:cTn>
+      </p:par>
+    </p:tnLst>
+    <p:bldLst>
+      <p:bldP spid="8" grpId="0" animBg="1"/>
+    </p:bldLst>
+  </p:timing>
+</p:sld>
+</file>
+
+<file path=ppt/slides/slide12.xml><?xml version="1.0" encoding="utf-8"?>
+<p:sld xmlns:a="http://schemas.openxmlformats.org/drawingml/2006/main" xmlns:r="http://schemas.openxmlformats.org/officeDocument/2006/relationships" xmlns:p="http://schemas.openxmlformats.org/presentationml/2006/main">
+  <p:cSld>
+    <p:spTree>
+      <p:nvGrpSpPr>
+        <p:cNvPr id="1" name=""/>
+        <p:cNvGrpSpPr/>
+        <p:nvPr/>
+      </p:nvGrpSpPr>
+      <p:grpSpPr>
+        <a:xfrm>
+          <a:off x="0" y="0"/>
+          <a:ext cx="0" cy="0"/>
+          <a:chOff x="0" y="0"/>
+          <a:chExt cx="0" cy="0"/>
+        </a:xfrm>
+      </p:grpSpPr>
+      <p:sp>
+        <p:nvSpPr>
+          <p:cNvPr id="2" name="Titel 1">
+            <a:extLst>
+              <a:ext uri="{FF2B5EF4-FFF2-40B4-BE49-F238E27FC236}">
+                <a16:creationId xmlns:a16="http://schemas.microsoft.com/office/drawing/2014/main" id="{7FD9FCBF-76AE-430D-9C88-BAF7A5284691}"/>
+              </a:ext>
+            </a:extLst>
+          </p:cNvPr>
+          <p:cNvSpPr>
+            <a:spLocks noGrp="1"/>
+          </p:cNvSpPr>
+          <p:nvPr>
+            <p:ph type="title"/>
+          </p:nvPr>
+        </p:nvSpPr>
+        <p:spPr/>
+        <p:txBody>
+          <a:bodyPr>
+            <a:normAutofit/>
+          </a:bodyPr>
+          <a:lstStyle/>
+          <a:p>
+            <a:r>
+              <a:rPr lang="en-US" dirty="0"/>
+              <a:t>Error handling patterns</a:t>
+            </a:r>
+            <a:br>
+              <a:rPr lang="en-US" dirty="0"/>
+            </a:br>
+            <a:r>
+              <a:rPr lang="en-US" sz="4000" dirty="0"/>
+              <a:t>Opaque Error type</a:t>
+            </a:r>
+            <a:endParaRPr lang="en-US" dirty="0"/>
+          </a:p>
+        </p:txBody>
+      </p:sp>
+      <p:sp>
+        <p:nvSpPr>
+          <p:cNvPr id="3" name="Inhaltsplatzhalter 2">
+            <a:extLst>
+              <a:ext uri="{FF2B5EF4-FFF2-40B4-BE49-F238E27FC236}">
+                <a16:creationId xmlns:a16="http://schemas.microsoft.com/office/drawing/2014/main" id="{F0FBBCE1-33B5-432A-A0AA-5F656A992533}"/>
+              </a:ext>
+            </a:extLst>
+          </p:cNvPr>
+          <p:cNvSpPr>
+            <a:spLocks noGrp="1"/>
+          </p:cNvSpPr>
+          <p:nvPr>
+            <p:ph idx="1"/>
+          </p:nvPr>
+        </p:nvSpPr>
+        <p:spPr/>
+        <p:txBody>
+          <a:bodyPr/>
+          <a:lstStyle/>
+          <a:p>
+            <a:r>
+              <a:rPr lang="en-US" dirty="0"/>
+              <a:t>Use a public error type and an internal  </a:t>
+            </a:r>
+            <a:r>
+              <a:rPr lang="en-US" sz="1800" b="1" dirty="0" err="1">
+                <a:solidFill>
+                  <a:schemeClr val="tx1"/>
+                </a:solidFill>
+                <a:latin typeface="Courier New" panose="02070309020205020404" pitchFamily="49" charset="0"/>
+                <a:cs typeface="Courier New" panose="02070309020205020404" pitchFamily="49" charset="0"/>
+              </a:rPr>
+              <a:t>ErrorKind</a:t>
+            </a:r>
+            <a:r>
+              <a:rPr lang="en-US" dirty="0"/>
+              <a:t>.</a:t>
+            </a:r>
+          </a:p>
+          <a:p>
+            <a:r>
+              <a:rPr lang="en-US" dirty="0"/>
+              <a:t>Hides implementation details.</a:t>
+            </a:r>
+          </a:p>
+          <a:p>
+            <a:r>
+              <a:rPr lang="en-US" dirty="0"/>
+              <a:t>Can give more abstract error properties, e.g. about authorization.</a:t>
+            </a:r>
+          </a:p>
+          <a:p>
+            <a:r>
+              <a:rPr lang="en-US" dirty="0"/>
+              <a:t>The public error type must not expose the internal/private </a:t>
+            </a:r>
+            <a:r>
+              <a:rPr lang="en-US" sz="1800" b="1" dirty="0" err="1">
+                <a:solidFill>
+                  <a:schemeClr val="tx1"/>
+                </a:solidFill>
+                <a:latin typeface="Courier New" panose="02070309020205020404" pitchFamily="49" charset="0"/>
+                <a:cs typeface="Courier New" panose="02070309020205020404" pitchFamily="49" charset="0"/>
+              </a:rPr>
+              <a:t>ErrorKind</a:t>
+            </a:r>
+            <a:r>
+              <a:rPr lang="en-US" dirty="0"/>
+              <a:t>.</a:t>
+            </a:r>
+          </a:p>
+        </p:txBody>
+      </p:sp>
+      <p:sp>
+        <p:nvSpPr>
+          <p:cNvPr id="4" name="Datumsplatzhalter 3">
+            <a:extLst>
+              <a:ext uri="{FF2B5EF4-FFF2-40B4-BE49-F238E27FC236}">
+                <a16:creationId xmlns:a16="http://schemas.microsoft.com/office/drawing/2014/main" id="{5DBEE3B3-05E5-417E-BA2B-97102FA598C0}"/>
+              </a:ext>
+            </a:extLst>
+          </p:cNvPr>
+          <p:cNvSpPr>
+            <a:spLocks noGrp="1"/>
+          </p:cNvSpPr>
+          <p:nvPr>
+            <p:ph type="dt" sz="half" idx="10"/>
+          </p:nvPr>
+        </p:nvSpPr>
+        <p:spPr/>
+        <p:txBody>
+          <a:bodyPr/>
+          <a:lstStyle/>
+          <a:p>
+            <a:fld id="{D48541D9-3425-4F48-A2D7-73AB15E3F4EF}" type="datetime1">
+              <a:rPr lang="de-DE" smtClean="0"/>
+              <a:t>07.08.2019</a:t>
+            </a:fld>
+            <a:endParaRPr lang="de-DE"/>
+          </a:p>
+        </p:txBody>
+      </p:sp>
+      <p:sp>
+        <p:nvSpPr>
+          <p:cNvPr id="5" name="Fußzeilenplatzhalter 4">
+            <a:extLst>
+              <a:ext uri="{FF2B5EF4-FFF2-40B4-BE49-F238E27FC236}">
+                <a16:creationId xmlns:a16="http://schemas.microsoft.com/office/drawing/2014/main" id="{8B6EC505-F67A-4DB7-AE56-CA123D0D046E}"/>
+              </a:ext>
+            </a:extLst>
+          </p:cNvPr>
+          <p:cNvSpPr>
+            <a:spLocks noGrp="1"/>
+          </p:cNvSpPr>
+          <p:nvPr>
+            <p:ph type="ftr" sz="quarter" idx="11"/>
+          </p:nvPr>
+        </p:nvSpPr>
+        <p:spPr/>
+        <p:txBody>
+          <a:bodyPr/>
+          <a:lstStyle/>
+          <a:p>
+            <a:r>
+              <a:rPr lang="en-US"/>
+              <a:t>Introduction to the Rust Programming Language</a:t>
+            </a:r>
+            <a:endParaRPr lang="de-DE" dirty="0"/>
+          </a:p>
+        </p:txBody>
+      </p:sp>
+      <p:sp>
+        <p:nvSpPr>
+          <p:cNvPr id="6" name="Foliennummernplatzhalter 5">
+            <a:extLst>
+              <a:ext uri="{FF2B5EF4-FFF2-40B4-BE49-F238E27FC236}">
+                <a16:creationId xmlns:a16="http://schemas.microsoft.com/office/drawing/2014/main" id="{579A2129-9B2E-4850-A819-8F24A7554F10}"/>
+              </a:ext>
+            </a:extLst>
+          </p:cNvPr>
+          <p:cNvSpPr>
+            <a:spLocks noGrp="1"/>
+          </p:cNvSpPr>
+          <p:nvPr>
+            <p:ph type="sldNum" sz="quarter" idx="12"/>
+          </p:nvPr>
+        </p:nvSpPr>
+        <p:spPr/>
+        <p:txBody>
+          <a:bodyPr/>
+          <a:lstStyle/>
+          <a:p>
+            <a:fld id="{DD84331A-EC78-42D6-8523-DC2F55A89D6A}" type="slidenum">
+              <a:rPr lang="de-DE" smtClean="0"/>
+              <a:pPr/>
+              <a:t>12</a:t>
+            </a:fld>
+            <a:endParaRPr lang="de-DE" dirty="0"/>
+          </a:p>
+        </p:txBody>
+      </p:sp>
+      <p:pic>
+        <p:nvPicPr>
+          <p:cNvPr id="7" name="Grafik 6">
+            <a:extLst>
+              <a:ext uri="{FF2B5EF4-FFF2-40B4-BE49-F238E27FC236}">
+                <a16:creationId xmlns:a16="http://schemas.microsoft.com/office/drawing/2014/main" id="{71E478D4-8F89-40E5-91C4-94834F337846}"/>
+              </a:ext>
+            </a:extLst>
+          </p:cNvPr>
+          <p:cNvPicPr>
+            <a:picLocks noChangeAspect="1"/>
+          </p:cNvPicPr>
+          <p:nvPr/>
+        </p:nvPicPr>
+        <p:blipFill>
+          <a:blip r:embed="rId2">
+            <a:extLst>
+              <a:ext uri="{28A0092B-C50C-407E-A947-70E740481C1C}">
+                <a14:useLocalDpi xmlns:a14="http://schemas.microsoft.com/office/drawing/2010/main" val="0"/>
+              </a:ext>
+            </a:extLst>
+          </a:blip>
+          <a:stretch>
+            <a:fillRect/>
+          </a:stretch>
+        </p:blipFill>
+        <p:spPr>
+          <a:xfrm>
+            <a:off x="9900458" y="286603"/>
+            <a:ext cx="1255222" cy="1255221"/>
+          </a:xfrm>
+          <a:prstGeom prst="rect">
+            <a:avLst/>
+          </a:prstGeom>
+        </p:spPr>
+      </p:pic>
+      <p:sp>
+        <p:nvSpPr>
+          <p:cNvPr id="8" name="Textfeld 7">
+            <a:extLst>
+              <a:ext uri="{FF2B5EF4-FFF2-40B4-BE49-F238E27FC236}">
+                <a16:creationId xmlns:a16="http://schemas.microsoft.com/office/drawing/2014/main" id="{F62E93EB-1550-449D-B36E-67E7DF8CFE34}"/>
+              </a:ext>
+            </a:extLst>
+          </p:cNvPr>
+          <p:cNvSpPr txBox="1"/>
+          <p:nvPr/>
+        </p:nvSpPr>
+        <p:spPr>
+          <a:xfrm>
+            <a:off x="4245339" y="4507653"/>
+            <a:ext cx="3701321" cy="338554"/>
+          </a:xfrm>
+          <a:prstGeom prst="rect">
+            <a:avLst/>
+          </a:prstGeom>
+          <a:noFill/>
+          <a:ln>
+            <a:solidFill>
+              <a:schemeClr val="tx1"/>
+            </a:solidFill>
+          </a:ln>
+        </p:spPr>
+        <p:txBody>
+          <a:bodyPr wrap="square" rtlCol="0">
+            <a:spAutoFit/>
+          </a:bodyPr>
+          <a:lstStyle/>
+          <a:p>
+            <a:r>
+              <a:rPr lang="de-DE" sz="1600" b="1" dirty="0" err="1">
+                <a:latin typeface="Courier New" panose="02070309020205020404" pitchFamily="49" charset="0"/>
+                <a:cs typeface="Courier New" panose="02070309020205020404" pitchFamily="49" charset="0"/>
+              </a:rPr>
+              <a:t>pub</a:t>
+            </a:r>
+            <a:r>
+              <a:rPr lang="de-DE" sz="1600" b="1" dirty="0">
+                <a:latin typeface="Courier New" panose="02070309020205020404" pitchFamily="49" charset="0"/>
+                <a:cs typeface="Courier New" panose="02070309020205020404" pitchFamily="49" charset="0"/>
+              </a:rPr>
+              <a:t> </a:t>
+            </a:r>
+            <a:r>
+              <a:rPr lang="de-DE" sz="1600" b="1" dirty="0" err="1">
+                <a:latin typeface="Courier New" panose="02070309020205020404" pitchFamily="49" charset="0"/>
+                <a:cs typeface="Courier New" panose="02070309020205020404" pitchFamily="49" charset="0"/>
+              </a:rPr>
+              <a:t>struct</a:t>
+            </a:r>
+            <a:r>
+              <a:rPr lang="de-DE" sz="1600" b="1" dirty="0">
+                <a:latin typeface="Courier New" panose="02070309020205020404" pitchFamily="49" charset="0"/>
+                <a:cs typeface="Courier New" panose="02070309020205020404" pitchFamily="49" charset="0"/>
+              </a:rPr>
+              <a:t> Error(</a:t>
+            </a:r>
+            <a:r>
+              <a:rPr lang="de-DE" sz="1600" b="1" dirty="0" err="1">
+                <a:latin typeface="Courier New" panose="02070309020205020404" pitchFamily="49" charset="0"/>
+                <a:cs typeface="Courier New" panose="02070309020205020404" pitchFamily="49" charset="0"/>
+              </a:rPr>
+              <a:t>ErrorKind</a:t>
+            </a:r>
+            <a:r>
+              <a:rPr lang="de-DE" sz="1600" b="1" dirty="0">
+                <a:latin typeface="Courier New" panose="02070309020205020404" pitchFamily="49" charset="0"/>
+                <a:cs typeface="Courier New" panose="02070309020205020404" pitchFamily="49" charset="0"/>
+              </a:rPr>
+              <a:t>);</a:t>
+            </a:r>
+          </a:p>
+        </p:txBody>
+      </p:sp>
+    </p:spTree>
+    <p:extLst>
+      <p:ext uri="{BB962C8B-B14F-4D97-AF65-F5344CB8AC3E}">
+        <p14:creationId xmlns:p14="http://schemas.microsoft.com/office/powerpoint/2010/main" val="342910982"/>
+      </p:ext>
+    </p:extLst>
+  </p:cSld>
+  <p:clrMapOvr>
+    <a:masterClrMapping/>
+  </p:clrMapOvr>
+  <p:timing>
+    <p:tnLst>
+      <p:par>
+        <p:cTn id="1" dur="indefinite" restart="never" nodeType="tmRoot">
+          <p:childTnLst>
+            <p:seq concurrent="1" nextAc="seek">
+              <p:cTn id="2" dur="indefinite" nodeType="mainSeq">
+                <p:childTnLst>
+                  <p:par>
+                    <p:cTn id="3" fill="hold">
+                      <p:stCondLst>
+                        <p:cond delay="indefinite"/>
+                      </p:stCondLst>
+                      <p:childTnLst>
+                        <p:par>
+                          <p:cTn id="4" fill="hold">
+                            <p:stCondLst>
+                              <p:cond delay="0"/>
+                            </p:stCondLst>
+                            <p:childTnLst>
+                              <p:par>
+                                <p:cTn id="5" presetID="1" presetClass="entr" presetSubtype="0" fill="hold" grpId="0" nodeType="clickEffect">
+                                  <p:stCondLst>
+                                    <p:cond delay="0"/>
+                                  </p:stCondLst>
+                                  <p:childTnLst>
+                                    <p:set>
+                                      <p:cBhvr>
+                                        <p:cTn id="6" dur="1" fill="hold">
+                                          <p:stCondLst>
+                                            <p:cond delay="0"/>
+                                          </p:stCondLst>
+                                        </p:cTn>
+                                        <p:tgtEl>
+                                          <p:spTgt spid="8"/>
+                                        </p:tgtEl>
+                                        <p:attrNameLst>
+                                          <p:attrName>style.visibility</p:attrName>
+                                        </p:attrNameLst>
+                                      </p:cBhvr>
+                                      <p:to>
+                                        <p:strVal val="visible"/>
+                                      </p:to>
+                                    </p:set>
+                                  </p:childTnLst>
+                                </p:cTn>
+                              </p:par>
+                            </p:childTnLst>
+                          </p:cTn>
+                        </p:par>
+                      </p:childTnLst>
+                    </p:cTn>
+                  </p:par>
+                </p:childTnLst>
+              </p:cTn>
+              <p:prevCondLst>
+                <p:cond evt="onPrev" delay="0">
+                  <p:tgtEl>
+                    <p:sldTgt/>
+                  </p:tgtEl>
+                </p:cond>
+              </p:prevCondLst>
+              <p:nextCondLst>
+                <p:cond evt="onNext" delay="0">
+                  <p:tgtEl>
+                    <p:sldTgt/>
+                  </p:tgtEl>
+                </p:cond>
+              </p:nextCondLst>
+            </p:seq>
+          </p:childTnLst>
+        </p:cTn>
+      </p:par>
+    </p:tnLst>
+    <p:bldLst>
+      <p:bldP spid="8" grpId="0" animBg="1"/>
+    </p:bldLst>
+  </p:timing>
+</p:sld>
+</file>
+
+<file path=ppt/slides/slide13.xml><?xml version="1.0" encoding="utf-8"?>
+<p:sld xmlns:a="http://schemas.openxmlformats.org/drawingml/2006/main" xmlns:r="http://schemas.openxmlformats.org/officeDocument/2006/relationships" xmlns:p="http://schemas.openxmlformats.org/presentationml/2006/main">
+  <p:cSld>
+    <p:spTree>
+      <p:nvGrpSpPr>
+        <p:cNvPr id="1" name=""/>
+        <p:cNvGrpSpPr/>
+        <p:nvPr/>
+      </p:nvGrpSpPr>
+      <p:grpSpPr>
+        <a:xfrm>
+          <a:off x="0" y="0"/>
+          <a:ext cx="0" cy="0"/>
+          <a:chOff x="0" y="0"/>
+          <a:chExt cx="0" cy="0"/>
+        </a:xfrm>
+      </p:grpSpPr>
+      <p:sp>
+        <p:nvSpPr>
+          <p:cNvPr id="2" name="Titel 1">
+            <a:extLst>
+              <a:ext uri="{FF2B5EF4-FFF2-40B4-BE49-F238E27FC236}">
+                <a16:creationId xmlns:a16="http://schemas.microsoft.com/office/drawing/2014/main" id="{7FD9FCBF-76AE-430D-9C88-BAF7A5284691}"/>
+              </a:ext>
+            </a:extLst>
+          </p:cNvPr>
+          <p:cNvSpPr>
+            <a:spLocks noGrp="1"/>
+          </p:cNvSpPr>
+          <p:nvPr>
+            <p:ph type="title"/>
+          </p:nvPr>
+        </p:nvSpPr>
+        <p:spPr/>
+        <p:txBody>
+          <a:bodyPr>
+            <a:normAutofit/>
+          </a:bodyPr>
+          <a:lstStyle/>
+          <a:p>
+            <a:r>
+              <a:rPr lang="en-US" dirty="0"/>
+              <a:t>Thank you for your attention!</a:t>
+            </a:r>
+            <a:br>
+              <a:rPr lang="en-US" dirty="0"/>
+            </a:br>
+            <a:r>
+              <a:rPr lang="en-US" sz="4000" dirty="0"/>
+              <a:t> </a:t>
+            </a:r>
+            <a:endParaRPr lang="en-US" dirty="0"/>
+          </a:p>
+        </p:txBody>
+      </p:sp>
+      <p:sp>
+        <p:nvSpPr>
+          <p:cNvPr id="4" name="Datumsplatzhalter 3">
+            <a:extLst>
+              <a:ext uri="{FF2B5EF4-FFF2-40B4-BE49-F238E27FC236}">
+                <a16:creationId xmlns:a16="http://schemas.microsoft.com/office/drawing/2014/main" id="{5DBEE3B3-05E5-417E-BA2B-97102FA598C0}"/>
+              </a:ext>
+            </a:extLst>
+          </p:cNvPr>
+          <p:cNvSpPr>
+            <a:spLocks noGrp="1"/>
+          </p:cNvSpPr>
+          <p:nvPr>
+            <p:ph type="dt" sz="half" idx="10"/>
+          </p:nvPr>
+        </p:nvSpPr>
+        <p:spPr/>
+        <p:txBody>
+          <a:bodyPr/>
+          <a:lstStyle/>
+          <a:p>
+            <a:fld id="{D48541D9-3425-4F48-A2D7-73AB15E3F4EF}" type="datetime1">
+              <a:rPr lang="de-DE" smtClean="0"/>
+              <a:t>07.08.2019</a:t>
+            </a:fld>
+            <a:endParaRPr lang="de-DE"/>
+          </a:p>
+        </p:txBody>
+      </p:sp>
+      <p:sp>
+        <p:nvSpPr>
+          <p:cNvPr id="5" name="Fußzeilenplatzhalter 4">
+            <a:extLst>
+              <a:ext uri="{FF2B5EF4-FFF2-40B4-BE49-F238E27FC236}">
+                <a16:creationId xmlns:a16="http://schemas.microsoft.com/office/drawing/2014/main" id="{8B6EC505-F67A-4DB7-AE56-CA123D0D046E}"/>
+              </a:ext>
+            </a:extLst>
+          </p:cNvPr>
+          <p:cNvSpPr>
+            <a:spLocks noGrp="1"/>
+          </p:cNvSpPr>
+          <p:nvPr>
+            <p:ph type="ftr" sz="quarter" idx="11"/>
+          </p:nvPr>
+        </p:nvSpPr>
+        <p:spPr/>
+        <p:txBody>
+          <a:bodyPr/>
+          <a:lstStyle/>
+          <a:p>
+            <a:r>
+              <a:rPr lang="en-US"/>
+              <a:t>Introduction to the Rust Programming Language</a:t>
+            </a:r>
+            <a:endParaRPr lang="de-DE" dirty="0"/>
+          </a:p>
+        </p:txBody>
+      </p:sp>
+      <p:sp>
+        <p:nvSpPr>
+          <p:cNvPr id="6" name="Foliennummernplatzhalter 5">
+            <a:extLst>
+              <a:ext uri="{FF2B5EF4-FFF2-40B4-BE49-F238E27FC236}">
+                <a16:creationId xmlns:a16="http://schemas.microsoft.com/office/drawing/2014/main" id="{579A2129-9B2E-4850-A819-8F24A7554F10}"/>
+              </a:ext>
+            </a:extLst>
+          </p:cNvPr>
+          <p:cNvSpPr>
+            <a:spLocks noGrp="1"/>
+          </p:cNvSpPr>
+          <p:nvPr>
+            <p:ph type="sldNum" sz="quarter" idx="12"/>
+          </p:nvPr>
+        </p:nvSpPr>
+        <p:spPr/>
+        <p:txBody>
+          <a:bodyPr/>
+          <a:lstStyle/>
+          <a:p>
+            <a:fld id="{DD84331A-EC78-42D6-8523-DC2F55A89D6A}" type="slidenum">
+              <a:rPr lang="de-DE" smtClean="0"/>
+              <a:pPr/>
+              <a:t>13</a:t>
+            </a:fld>
+            <a:endParaRPr lang="de-DE" dirty="0"/>
+          </a:p>
+        </p:txBody>
+      </p:sp>
+      <p:pic>
+        <p:nvPicPr>
+          <p:cNvPr id="7" name="Grafik 6">
+            <a:extLst>
+              <a:ext uri="{FF2B5EF4-FFF2-40B4-BE49-F238E27FC236}">
+                <a16:creationId xmlns:a16="http://schemas.microsoft.com/office/drawing/2014/main" id="{71E478D4-8F89-40E5-91C4-94834F337846}"/>
+              </a:ext>
+            </a:extLst>
+          </p:cNvPr>
+          <p:cNvPicPr>
+            <a:picLocks noChangeAspect="1"/>
+          </p:cNvPicPr>
+          <p:nvPr/>
+        </p:nvPicPr>
+        <p:blipFill>
+          <a:blip r:embed="rId2">
+            <a:extLst>
+              <a:ext uri="{28A0092B-C50C-407E-A947-70E740481C1C}">
+                <a14:useLocalDpi xmlns:a14="http://schemas.microsoft.com/office/drawing/2010/main" val="0"/>
+              </a:ext>
+            </a:extLst>
+          </a:blip>
+          <a:stretch>
+            <a:fillRect/>
+          </a:stretch>
+        </p:blipFill>
+        <p:spPr>
+          <a:xfrm>
+            <a:off x="9900458" y="286603"/>
+            <a:ext cx="1255222" cy="1255221"/>
+          </a:xfrm>
+          <a:prstGeom prst="rect">
+            <a:avLst/>
+          </a:prstGeom>
+        </p:spPr>
+      </p:pic>
+      <p:sp>
+        <p:nvSpPr>
+          <p:cNvPr id="10" name="Textfeld 9">
+            <a:extLst>
+              <a:ext uri="{FF2B5EF4-FFF2-40B4-BE49-F238E27FC236}">
+                <a16:creationId xmlns:a16="http://schemas.microsoft.com/office/drawing/2014/main" id="{DBF2D3E0-EBD2-4F48-9592-C4B9B9880B96}"/>
+              </a:ext>
+            </a:extLst>
+          </p:cNvPr>
+          <p:cNvSpPr txBox="1"/>
+          <p:nvPr/>
+        </p:nvSpPr>
+        <p:spPr>
+          <a:xfrm rot="678179">
+            <a:off x="5577677" y="2902184"/>
+            <a:ext cx="3714084" cy="400110"/>
+          </a:xfrm>
+          <a:prstGeom prst="rect">
+            <a:avLst/>
+          </a:prstGeom>
+          <a:noFill/>
+          <a:ln>
+            <a:solidFill>
+              <a:schemeClr val="tx1"/>
+            </a:solidFill>
+          </a:ln>
+        </p:spPr>
+        <p:txBody>
+          <a:bodyPr wrap="square" rtlCol="0">
+            <a:spAutoFit/>
+          </a:bodyPr>
+          <a:lstStyle/>
+          <a:p>
+            <a:pPr algn="ctr"/>
+            <a:r>
+              <a:rPr lang="en-US" sz="2000" b="1" dirty="0">
+                <a:latin typeface="Courier New" panose="02070309020205020404" pitchFamily="49" charset="0"/>
+                <a:cs typeface="Courier New" panose="02070309020205020404" pitchFamily="49" charset="0"/>
+              </a:rPr>
+              <a:t>Any further questions?</a:t>
+            </a:r>
+          </a:p>
+        </p:txBody>
+      </p:sp>
+      <p:pic>
+        <p:nvPicPr>
+          <p:cNvPr id="11" name="Grafik 10">
+            <a:extLst>
+              <a:ext uri="{FF2B5EF4-FFF2-40B4-BE49-F238E27FC236}">
+                <a16:creationId xmlns:a16="http://schemas.microsoft.com/office/drawing/2014/main" id="{167B5160-0E6D-46AA-8982-763D70BD3460}"/>
+              </a:ext>
+            </a:extLst>
+          </p:cNvPr>
+          <p:cNvPicPr>
+            <a:picLocks noChangeAspect="1"/>
+          </p:cNvPicPr>
+          <p:nvPr/>
+        </p:nvPicPr>
+        <p:blipFill>
+          <a:blip r:embed="rId3">
+            <a:extLst>
+              <a:ext uri="{28A0092B-C50C-407E-A947-70E740481C1C}">
+                <a14:useLocalDpi xmlns:a14="http://schemas.microsoft.com/office/drawing/2010/main" val="0"/>
+              </a:ext>
+            </a:extLst>
+          </a:blip>
+          <a:stretch>
+            <a:fillRect/>
+          </a:stretch>
+        </p:blipFill>
+        <p:spPr>
+          <a:xfrm>
+            <a:off x="4690462" y="3481021"/>
+            <a:ext cx="2744258" cy="1825794"/>
+          </a:xfrm>
+          <a:prstGeom prst="rect">
+            <a:avLst/>
+          </a:prstGeom>
+        </p:spPr>
+      </p:pic>
+    </p:spTree>
+    <p:extLst>
+      <p:ext uri="{BB962C8B-B14F-4D97-AF65-F5344CB8AC3E}">
+        <p14:creationId xmlns:p14="http://schemas.microsoft.com/office/powerpoint/2010/main" val="82277313"/>
+      </p:ext>
+    </p:extLst>
+  </p:cSld>
+  <p:clrMapOvr>
+    <a:masterClrMapping/>
+  </p:clrMapOvr>
+  <p:timing>
+    <p:tnLst>
+      <p:par>
+        <p:cTn id="1" dur="indefinite" restart="never" nodeType="tmRoot">
+          <p:childTnLst>
+            <p:seq concurrent="1" nextAc="seek">
+              <p:cTn id="2" dur="indefinite" nodeType="mainSeq">
+                <p:childTnLst>
+                  <p:par>
+                    <p:cTn id="3" fill="hold">
+                      <p:stCondLst>
+                        <p:cond delay="indefinite"/>
+                      </p:stCondLst>
+                      <p:childTnLst>
+                        <p:par>
+                          <p:cTn id="4" fill="hold">
+                            <p:stCondLst>
+                              <p:cond delay="0"/>
+                            </p:stCondLst>
+                            <p:childTnLst>
+                              <p:par>
+                                <p:cTn id="5" presetID="1" presetClass="entr" presetSubtype="0" fill="hold" grpId="0" nodeType="clickEffect">
+                                  <p:stCondLst>
+                                    <p:cond delay="0"/>
+                                  </p:stCondLst>
+                                  <p:childTnLst>
+                                    <p:set>
+                                      <p:cBhvr>
+                                        <p:cTn id="6" dur="1" fill="hold">
+                                          <p:stCondLst>
+                                            <p:cond delay="0"/>
+                                          </p:stCondLst>
+                                        </p:cTn>
+                                        <p:tgtEl>
+                                          <p:spTgt spid="10"/>
+                                        </p:tgtEl>
+                                        <p:attrNameLst>
+                                          <p:attrName>style.visibility</p:attrName>
+                                        </p:attrNameLst>
+                                      </p:cBhvr>
+                                      <p:to>
+                                        <p:strVal val="visible"/>
+                                      </p:to>
+                                    </p:set>
+                                  </p:childTnLst>
+                                </p:cTn>
+                              </p:par>
+                            </p:childTnLst>
+                          </p:cTn>
+                        </p:par>
+                      </p:childTnLst>
+                    </p:cTn>
+                  </p:par>
+                </p:childTnLst>
+              </p:cTn>
+              <p:prevCondLst>
+                <p:cond evt="onPrev" delay="0">
+                  <p:tgtEl>
+                    <p:sldTgt/>
+                  </p:tgtEl>
+                </p:cond>
+              </p:prevCondLst>
+              <p:nextCondLst>
+                <p:cond evt="onNext" delay="0">
+                  <p:tgtEl>
+                    <p:sldTgt/>
+                  </p:tgtEl>
+                </p:cond>
+              </p:nextCondLst>
+            </p:seq>
+          </p:childTnLst>
+        </p:cTn>
+      </p:par>
+    </p:tnLst>
+    <p:bldLst>
+      <p:bldP spid="10" grpId="0" animBg="1"/>
+    </p:bldLst>
+  </p:timing>
+</p:sld>
+</file>
+
 <file path=ppt/slides/slide2.xml><?xml version="1.0" encoding="utf-8"?>
 <p:sld xmlns:a="http://schemas.openxmlformats.org/drawingml/2006/main" xmlns:r="http://schemas.openxmlformats.org/officeDocument/2006/relationships" xmlns:p="http://schemas.openxmlformats.org/presentationml/2006/main">
   <p:cSld>
@@ -4641,7 +6249,7 @@
           <a:p>
             <a:fld id="{D48541D9-3425-4F48-A2D7-73AB15E3F4EF}" type="datetime1">
               <a:rPr lang="de-DE" smtClean="0"/>
-              <a:t>04.08.2019</a:t>
+              <a:t>07.08.2019</a:t>
             </a:fld>
             <a:endParaRPr lang="de-DE"/>
           </a:p>
@@ -4930,15 +6538,7 @@
             <a:pPr marL="749808" lvl="1" indent="-457200"/>
             <a:r>
               <a:rPr lang="en-US" dirty="0"/>
-              <a:t>Strings (or Box&lt;</a:t>
-            </a:r>
-            <a:r>
-              <a:rPr lang="en-US" dirty="0" err="1"/>
-              <a:t>dyn</a:t>
-            </a:r>
-            <a:r>
-              <a:rPr lang="en-US" dirty="0"/>
-              <a:t> Error&gt;)</a:t>
+              <a:t>Strings</a:t>
             </a:r>
           </a:p>
           <a:p>
@@ -4980,7 +6580,7 @@
           <a:p>
             <a:fld id="{D48541D9-3425-4F48-A2D7-73AB15E3F4EF}" type="datetime1">
               <a:rPr lang="de-DE" smtClean="0"/>
-              <a:t>04.08.2019</a:t>
+              <a:t>07.08.2019</a:t>
             </a:fld>
             <a:endParaRPr lang="de-DE"/>
           </a:p>
@@ -5241,7 +6841,7 @@
               <a:t>or </a:t>
             </a:r>
             <a:r>
-              <a:rPr lang="en-US" sz="1600" dirty="0">
+              <a:rPr lang="en-US" sz="1600" b="1" dirty="0">
                 <a:solidFill>
                   <a:schemeClr val="tx1"/>
                 </a:solidFill>
@@ -5286,7 +6886,7 @@
           <a:p>
             <a:fld id="{D48541D9-3425-4F48-A2D7-73AB15E3F4EF}" type="datetime1">
               <a:rPr lang="de-DE" smtClean="0"/>
-              <a:t>04.08.2019</a:t>
+              <a:t>07.08.2019</a:t>
             </a:fld>
             <a:endParaRPr lang="de-DE"/>
           </a:p>
@@ -5837,7 +7437,7 @@
           <a:p>
             <a:fld id="{D48541D9-3425-4F48-A2D7-73AB15E3F4EF}" type="datetime1">
               <a:rPr lang="de-DE" smtClean="0"/>
-              <a:t>04.08.2019</a:t>
+              <a:t>07.08.2019</a:t>
             </a:fld>
             <a:endParaRPr lang="de-DE"/>
           </a:p>
@@ -6147,51 +7747,81 @@
           <a:p>
             <a:r>
               <a:rPr lang="en-US" dirty="0"/>
-              <a:t>For initialization, optional values, null-pointer emulation, etc.</a:t>
+              <a:t>For recoverable failures.</a:t>
             </a:r>
           </a:p>
           <a:p>
             <a:r>
               <a:rPr lang="en-US" dirty="0"/>
-              <a:t>Null-Pointer-Optimization:</a:t>
-            </a:r>
-          </a:p>
-          <a:p>
-            <a:pPr lvl="1"/>
-            <a:r>
-              <a:rPr lang="en-US" sz="1600" b="1" dirty="0">
+              <a:t>No trait-bounds on </a:t>
+            </a:r>
+            <a:r>
+              <a:rPr lang="en-US" sz="1800" b="1" dirty="0">
                 <a:solidFill>
                   <a:schemeClr val="tx1"/>
                 </a:solidFill>
                 <a:latin typeface="Courier New" panose="02070309020205020404" pitchFamily="49" charset="0"/>
                 <a:cs typeface="Courier New" panose="02070309020205020404" pitchFamily="49" charset="0"/>
               </a:rPr>
-              <a:t>Option&lt;Box&lt;T&gt;&gt; </a:t>
+              <a:t>T</a:t>
             </a:r>
             <a:r>
               <a:rPr lang="en-US" dirty="0"/>
-              <a:t>or </a:t>
-            </a:r>
-            <a:r>
-              <a:rPr lang="en-US" sz="1600" dirty="0">
+              <a:t> or </a:t>
+            </a:r>
+            <a:r>
+              <a:rPr lang="en-US" sz="1800" b="1" dirty="0">
                 <a:solidFill>
                   <a:schemeClr val="tx1"/>
                 </a:solidFill>
                 <a:latin typeface="Courier New" panose="02070309020205020404" pitchFamily="49" charset="0"/>
                 <a:cs typeface="Courier New" panose="02070309020205020404" pitchFamily="49" charset="0"/>
               </a:rPr>
-              <a:t>Option&lt;&amp;T&gt; </a:t>
+              <a:t>E</a:t>
             </a:r>
             <a:r>
               <a:rPr lang="en-US" dirty="0"/>
-              <a:t>have only the size of a raw pointer. =&gt; DEMO</a:t>
+              <a:t>.</a:t>
             </a:r>
           </a:p>
           <a:p>
             <a:r>
               <a:rPr lang="en-US" dirty="0"/>
-              <a:t>Has: </a:t>
-            </a:r>
+              <a:t>Can be constructed from Iterator of Results:</a:t>
+            </a:r>
+          </a:p>
+          <a:p>
+            <a:endParaRPr lang="en-US" dirty="0"/>
+          </a:p>
+          <a:p>
+            <a:r>
+              <a:rPr lang="en-US" dirty="0"/>
+              <a:t>Supported by the ?-operator:</a:t>
+            </a:r>
+          </a:p>
+          <a:p>
+            <a:pPr lvl="1"/>
+            <a:r>
+              <a:rPr lang="en-US" dirty="0"/>
+              <a:t>Converts error if</a:t>
+            </a:r>
+          </a:p>
+          <a:p>
+            <a:pPr lvl="1"/>
+            <a:r>
+              <a:rPr lang="en-US" dirty="0"/>
+              <a:t>Legacy code may use try!() macro.</a:t>
+            </a:r>
+          </a:p>
+          <a:p>
+            <a:pPr lvl="1"/>
+            <a:r>
+              <a:rPr lang="en-US" dirty="0"/>
+              <a:t>Shorthand for </a:t>
+            </a:r>
+          </a:p>
+          <a:p>
+            <a:endParaRPr lang="en-US" dirty="0"/>
           </a:p>
         </p:txBody>
       </p:sp>
@@ -6218,7 +7848,7 @@
           <a:p>
             <a:fld id="{D48541D9-3425-4F48-A2D7-73AB15E3F4EF}" type="datetime1">
               <a:rPr lang="de-DE" smtClean="0"/>
-              <a:t>04.08.2019</a:t>
+              <a:t>07.08.2019</a:t>
             </a:fld>
             <a:endParaRPr lang="de-DE"/>
           </a:p>
@@ -6321,10 +7951,10 @@
       </p:pic>
       <p:sp>
         <p:nvSpPr>
-          <p:cNvPr id="10" name="Textfeld 9">
+          <p:cNvPr id="9" name="Textfeld 8">
             <a:extLst>
               <a:ext uri="{FF2B5EF4-FFF2-40B4-BE49-F238E27FC236}">
-                <a16:creationId xmlns:a16="http://schemas.microsoft.com/office/drawing/2014/main" id="{723ABBF1-379E-4065-A014-FE3AA17E86B7}"/>
+                <a16:creationId xmlns:a16="http://schemas.microsoft.com/office/drawing/2014/main" id="{E932C308-E0FF-4486-AFF2-68427A00356E}"/>
               </a:ext>
             </a:extLst>
           </p:cNvPr>
@@ -6333,8 +7963,8 @@
         </p:nvSpPr>
         <p:spPr>
           <a:xfrm>
-            <a:off x="1814078" y="3195694"/>
-            <a:ext cx="4631110" cy="1323439"/>
+            <a:off x="8194088" y="1946084"/>
+            <a:ext cx="2752079" cy="1077218"/>
           </a:xfrm>
           <a:prstGeom prst="rect">
             <a:avLst/>
@@ -6357,6 +7987,231 @@
                 <a:latin typeface="Courier New" panose="02070309020205020404" pitchFamily="49" charset="0"/>
                 <a:cs typeface="Courier New" panose="02070309020205020404" pitchFamily="49" charset="0"/>
               </a:rPr>
+              <a:t>enum</a:t>
+            </a:r>
+            <a:r>
+              <a:rPr lang="de-DE" sz="1600" b="1" dirty="0">
+                <a:latin typeface="Courier New" panose="02070309020205020404" pitchFamily="49" charset="0"/>
+                <a:cs typeface="Courier New" panose="02070309020205020404" pitchFamily="49" charset="0"/>
+              </a:rPr>
+              <a:t> </a:t>
+            </a:r>
+            <a:r>
+              <a:rPr lang="de-DE" sz="1600" b="1" dirty="0" err="1">
+                <a:latin typeface="Courier New" panose="02070309020205020404" pitchFamily="49" charset="0"/>
+                <a:cs typeface="Courier New" panose="02070309020205020404" pitchFamily="49" charset="0"/>
+              </a:rPr>
+              <a:t>Result</a:t>
+            </a:r>
+            <a:r>
+              <a:rPr lang="de-DE" sz="1600" b="1" dirty="0">
+                <a:latin typeface="Courier New" panose="02070309020205020404" pitchFamily="49" charset="0"/>
+                <a:cs typeface="Courier New" panose="02070309020205020404" pitchFamily="49" charset="0"/>
+              </a:rPr>
+              <a:t>&lt;T, E&gt; {</a:t>
+            </a:r>
+          </a:p>
+          <a:p>
+            <a:r>
+              <a:rPr lang="de-DE" sz="1600" b="1" dirty="0">
+                <a:latin typeface="Courier New" panose="02070309020205020404" pitchFamily="49" charset="0"/>
+                <a:cs typeface="Courier New" panose="02070309020205020404" pitchFamily="49" charset="0"/>
+              </a:rPr>
+              <a:t>  Ok(T),</a:t>
+            </a:r>
+          </a:p>
+          <a:p>
+            <a:r>
+              <a:rPr lang="de-DE" sz="1600" b="1" dirty="0">
+                <a:latin typeface="Courier New" panose="02070309020205020404" pitchFamily="49" charset="0"/>
+                <a:cs typeface="Courier New" panose="02070309020205020404" pitchFamily="49" charset="0"/>
+              </a:rPr>
+              <a:t>  </a:t>
+            </a:r>
+            <a:r>
+              <a:rPr lang="de-DE" sz="1600" b="1" dirty="0" err="1">
+                <a:latin typeface="Courier New" panose="02070309020205020404" pitchFamily="49" charset="0"/>
+                <a:cs typeface="Courier New" panose="02070309020205020404" pitchFamily="49" charset="0"/>
+              </a:rPr>
+              <a:t>Err</a:t>
+            </a:r>
+            <a:r>
+              <a:rPr lang="de-DE" sz="1600" b="1" dirty="0">
+                <a:latin typeface="Courier New" panose="02070309020205020404" pitchFamily="49" charset="0"/>
+                <a:cs typeface="Courier New" panose="02070309020205020404" pitchFamily="49" charset="0"/>
+              </a:rPr>
+              <a:t>(E),</a:t>
+            </a:r>
+          </a:p>
+          <a:p>
+            <a:r>
+              <a:rPr lang="de-DE" sz="1600" b="1" dirty="0">
+                <a:latin typeface="Courier New" panose="02070309020205020404" pitchFamily="49" charset="0"/>
+                <a:cs typeface="Courier New" panose="02070309020205020404" pitchFamily="49" charset="0"/>
+              </a:rPr>
+              <a:t>}</a:t>
+            </a:r>
+          </a:p>
+        </p:txBody>
+      </p:sp>
+      <p:sp>
+        <p:nvSpPr>
+          <p:cNvPr id="11" name="Textfeld 10">
+            <a:extLst>
+              <a:ext uri="{FF2B5EF4-FFF2-40B4-BE49-F238E27FC236}">
+                <a16:creationId xmlns:a16="http://schemas.microsoft.com/office/drawing/2014/main" id="{8D95D63A-A1A0-4728-B8E1-BD4AB5FCF382}"/>
+              </a:ext>
+            </a:extLst>
+          </p:cNvPr>
+          <p:cNvSpPr txBox="1"/>
+          <p:nvPr/>
+        </p:nvSpPr>
+        <p:spPr>
+          <a:xfrm>
+            <a:off x="1376706" y="3149370"/>
+            <a:ext cx="9001290" cy="338554"/>
+          </a:xfrm>
+          <a:prstGeom prst="rect">
+            <a:avLst/>
+          </a:prstGeom>
+          <a:noFill/>
+          <a:ln>
+            <a:solidFill>
+              <a:schemeClr val="tx1"/>
+            </a:solidFill>
+          </a:ln>
+        </p:spPr>
+        <p:txBody>
+          <a:bodyPr wrap="square" rtlCol="0">
+            <a:spAutoFit/>
+          </a:bodyPr>
+          <a:lstStyle/>
+          <a:p>
+            <a:r>
+              <a:rPr lang="de-DE" sz="1600" b="1" dirty="0" err="1">
+                <a:latin typeface="Courier New" panose="02070309020205020404" pitchFamily="49" charset="0"/>
+                <a:cs typeface="Courier New" panose="02070309020205020404" pitchFamily="49" charset="0"/>
+              </a:rPr>
+              <a:t>let</a:t>
+            </a:r>
+            <a:r>
+              <a:rPr lang="de-DE" sz="1600" b="1" dirty="0">
+                <a:latin typeface="Courier New" panose="02070309020205020404" pitchFamily="49" charset="0"/>
+                <a:cs typeface="Courier New" panose="02070309020205020404" pitchFamily="49" charset="0"/>
+              </a:rPr>
+              <a:t> </a:t>
+            </a:r>
+            <a:r>
+              <a:rPr lang="de-DE" sz="1600" b="1" dirty="0" err="1">
+                <a:latin typeface="Courier New" panose="02070309020205020404" pitchFamily="49" charset="0"/>
+                <a:cs typeface="Courier New" panose="02070309020205020404" pitchFamily="49" charset="0"/>
+              </a:rPr>
+              <a:t>res</a:t>
+            </a:r>
+            <a:r>
+              <a:rPr lang="de-DE" sz="1600" b="1" dirty="0">
+                <a:latin typeface="Courier New" panose="02070309020205020404" pitchFamily="49" charset="0"/>
+                <a:cs typeface="Courier New" panose="02070309020205020404" pitchFamily="49" charset="0"/>
+              </a:rPr>
+              <a:t>: </a:t>
+            </a:r>
+            <a:r>
+              <a:rPr lang="de-DE" sz="1600" b="1" dirty="0" err="1">
+                <a:latin typeface="Courier New" panose="02070309020205020404" pitchFamily="49" charset="0"/>
+                <a:cs typeface="Courier New" panose="02070309020205020404" pitchFamily="49" charset="0"/>
+              </a:rPr>
+              <a:t>Result</a:t>
+            </a:r>
+            <a:r>
+              <a:rPr lang="de-DE" sz="1600" b="1" dirty="0">
+                <a:latin typeface="Courier New" panose="02070309020205020404" pitchFamily="49" charset="0"/>
+                <a:cs typeface="Courier New" panose="02070309020205020404" pitchFamily="49" charset="0"/>
+              </a:rPr>
+              <a:t>&lt;</a:t>
+            </a:r>
+            <a:r>
+              <a:rPr lang="de-DE" sz="1600" b="1" dirty="0" err="1">
+                <a:latin typeface="Courier New" panose="02070309020205020404" pitchFamily="49" charset="0"/>
+                <a:cs typeface="Courier New" panose="02070309020205020404" pitchFamily="49" charset="0"/>
+              </a:rPr>
+              <a:t>Vec</a:t>
+            </a:r>
+            <a:r>
+              <a:rPr lang="de-DE" sz="1600" b="1" dirty="0">
+                <a:latin typeface="Courier New" panose="02070309020205020404" pitchFamily="49" charset="0"/>
+                <a:cs typeface="Courier New" panose="02070309020205020404" pitchFamily="49" charset="0"/>
+              </a:rPr>
+              <a:t>&lt;i32&gt;, _&gt; = (0..10).</a:t>
+            </a:r>
+            <a:r>
+              <a:rPr lang="de-DE" sz="1600" b="1" dirty="0" err="1">
+                <a:latin typeface="Courier New" panose="02070309020205020404" pitchFamily="49" charset="0"/>
+                <a:cs typeface="Courier New" panose="02070309020205020404" pitchFamily="49" charset="0"/>
+              </a:rPr>
+              <a:t>map</a:t>
+            </a:r>
+            <a:r>
+              <a:rPr lang="de-DE" sz="1600" b="1" dirty="0">
+                <a:latin typeface="Courier New" panose="02070309020205020404" pitchFamily="49" charset="0"/>
+                <a:cs typeface="Courier New" panose="02070309020205020404" pitchFamily="49" charset="0"/>
+              </a:rPr>
+              <a:t>(|_| "42".parse()).</a:t>
+            </a:r>
+            <a:r>
+              <a:rPr lang="de-DE" sz="1600" b="1" dirty="0" err="1">
+                <a:latin typeface="Courier New" panose="02070309020205020404" pitchFamily="49" charset="0"/>
+                <a:cs typeface="Courier New" panose="02070309020205020404" pitchFamily="49" charset="0"/>
+              </a:rPr>
+              <a:t>collect</a:t>
+            </a:r>
+            <a:r>
+              <a:rPr lang="de-DE" sz="1600" b="1" dirty="0">
+                <a:latin typeface="Courier New" panose="02070309020205020404" pitchFamily="49" charset="0"/>
+                <a:cs typeface="Courier New" panose="02070309020205020404" pitchFamily="49" charset="0"/>
+              </a:rPr>
+              <a:t>(); </a:t>
+            </a:r>
+          </a:p>
+        </p:txBody>
+      </p:sp>
+      <p:sp>
+        <p:nvSpPr>
+          <p:cNvPr id="12" name="Textfeld 11">
+            <a:extLst>
+              <a:ext uri="{FF2B5EF4-FFF2-40B4-BE49-F238E27FC236}">
+                <a16:creationId xmlns:a16="http://schemas.microsoft.com/office/drawing/2014/main" id="{ECC36054-55C2-4E79-8366-FF49C61D7A11}"/>
+              </a:ext>
+            </a:extLst>
+          </p:cNvPr>
+          <p:cNvSpPr txBox="1"/>
+          <p:nvPr/>
+        </p:nvSpPr>
+        <p:spPr>
+          <a:xfrm>
+            <a:off x="3139663" y="3970483"/>
+            <a:ext cx="5475376" cy="338554"/>
+          </a:xfrm>
+          <a:prstGeom prst="rect">
+            <a:avLst/>
+          </a:prstGeom>
+          <a:noFill/>
+          <a:ln>
+            <a:solidFill>
+              <a:schemeClr val="tx1"/>
+            </a:solidFill>
+          </a:ln>
+        </p:spPr>
+        <p:txBody>
+          <a:bodyPr wrap="square" rtlCol="0">
+            <a:spAutoFit/>
+          </a:bodyPr>
+          <a:lstStyle/>
+          <a:p>
+            <a:r>
+              <a:rPr lang="de-DE" sz="1600" b="1" dirty="0" err="1">
+                <a:latin typeface="Courier New" panose="02070309020205020404" pitchFamily="49" charset="0"/>
+                <a:cs typeface="Courier New" panose="02070309020205020404" pitchFamily="49" charset="0"/>
+              </a:rPr>
               <a:t>impl</a:t>
             </a:r>
             <a:r>
@@ -6364,20 +8219,48 @@
                 <a:latin typeface="Courier New" panose="02070309020205020404" pitchFamily="49" charset="0"/>
                 <a:cs typeface="Courier New" panose="02070309020205020404" pitchFamily="49" charset="0"/>
               </a:rPr>
-              <a:t>&lt;T&gt; </a:t>
+              <a:t> </a:t>
             </a:r>
             <a:r>
               <a:rPr lang="de-DE" sz="1600" b="1" dirty="0" err="1">
                 <a:latin typeface="Courier New" panose="02070309020205020404" pitchFamily="49" charset="0"/>
                 <a:cs typeface="Courier New" panose="02070309020205020404" pitchFamily="49" charset="0"/>
               </a:rPr>
-              <a:t>IntoIterator</a:t>
+              <a:t>From</a:t>
             </a:r>
             <a:r>
               <a:rPr lang="de-DE" sz="1600" b="1" dirty="0">
                 <a:latin typeface="Courier New" panose="02070309020205020404" pitchFamily="49" charset="0"/>
                 <a:cs typeface="Courier New" panose="02070309020205020404" pitchFamily="49" charset="0"/>
               </a:rPr>
+              <a:t>&lt;</a:t>
+            </a:r>
+            <a:r>
+              <a:rPr lang="de-DE" sz="1600" b="1" dirty="0" err="1">
+                <a:latin typeface="Courier New" panose="02070309020205020404" pitchFamily="49" charset="0"/>
+                <a:cs typeface="Courier New" panose="02070309020205020404" pitchFamily="49" charset="0"/>
+              </a:rPr>
+              <a:t>SrcError</a:t>
+            </a:r>
+            <a:r>
+              <a:rPr lang="de-DE" sz="1600" b="1" dirty="0">
+                <a:latin typeface="Courier New" panose="02070309020205020404" pitchFamily="49" charset="0"/>
+                <a:cs typeface="Courier New" panose="02070309020205020404" pitchFamily="49" charset="0"/>
+              </a:rPr>
+              <a:t>&gt; </a:t>
+            </a:r>
+            <a:r>
+              <a:rPr lang="de-DE" sz="1600" b="1" dirty="0" err="1">
+                <a:latin typeface="Courier New" panose="02070309020205020404" pitchFamily="49" charset="0"/>
+                <a:cs typeface="Courier New" panose="02070309020205020404" pitchFamily="49" charset="0"/>
+              </a:rPr>
+              <a:t>for</a:t>
+            </a:r>
+            <a:r>
+              <a:rPr lang="de-DE" sz="1600" b="1" dirty="0">
+                <a:latin typeface="Courier New" panose="02070309020205020404" pitchFamily="49" charset="0"/>
+                <a:cs typeface="Courier New" panose="02070309020205020404" pitchFamily="49" charset="0"/>
+              </a:rPr>
               <a:t> </a:t>
             </a:r>
             <a:r>
@@ -6385,41 +8268,152 @@
                 <a:latin typeface="Courier New" panose="02070309020205020404" pitchFamily="49" charset="0"/>
                 <a:cs typeface="Courier New" panose="02070309020205020404" pitchFamily="49" charset="0"/>
               </a:rPr>
-              <a:t>for</a:t>
+              <a:t>TargetError</a:t>
             </a:r>
             <a:r>
               <a:rPr lang="de-DE" sz="1600" b="1" dirty="0">
                 <a:latin typeface="Courier New" panose="02070309020205020404" pitchFamily="49" charset="0"/>
                 <a:cs typeface="Courier New" panose="02070309020205020404" pitchFamily="49" charset="0"/>
               </a:rPr>
-              <a:t> Option&lt;T&gt; {</a:t>
-            </a:r>
-          </a:p>
-          <a:p>
+              <a:t> { ... }</a:t>
+            </a:r>
+          </a:p>
+        </p:txBody>
+      </p:sp>
+      <p:sp>
+        <p:nvSpPr>
+          <p:cNvPr id="13" name="Textfeld 12">
+            <a:extLst>
+              <a:ext uri="{FF2B5EF4-FFF2-40B4-BE49-F238E27FC236}">
+                <a16:creationId xmlns:a16="http://schemas.microsoft.com/office/drawing/2014/main" id="{104C9CF4-783B-4983-A4D4-67331A100D6D}"/>
+              </a:ext>
+            </a:extLst>
+          </p:cNvPr>
+          <p:cNvSpPr txBox="1"/>
+          <p:nvPr/>
+        </p:nvSpPr>
+        <p:spPr>
+          <a:xfrm>
+            <a:off x="2874813" y="4674578"/>
+            <a:ext cx="4253957" cy="1077218"/>
+          </a:xfrm>
+          <a:prstGeom prst="rect">
+            <a:avLst/>
+          </a:prstGeom>
+          <a:noFill/>
+          <a:ln>
+            <a:solidFill>
+              <a:schemeClr val="tx1"/>
+            </a:solidFill>
+          </a:ln>
+        </p:spPr>
+        <p:txBody>
+          <a:bodyPr wrap="square" rtlCol="0">
+            <a:spAutoFit/>
+          </a:bodyPr>
+          <a:lstStyle/>
+          <a:p>
+            <a:r>
+              <a:rPr lang="de-DE" sz="1600" b="1" dirty="0" err="1">
+                <a:latin typeface="Courier New" panose="02070309020205020404" pitchFamily="49" charset="0"/>
+                <a:cs typeface="Courier New" panose="02070309020205020404" pitchFamily="49" charset="0"/>
+              </a:rPr>
+              <a:t>match</a:t>
+            </a:r>
             <a:r>
               <a:rPr lang="de-DE" sz="1600" b="1" dirty="0">
                 <a:latin typeface="Courier New" panose="02070309020205020404" pitchFamily="49" charset="0"/>
                 <a:cs typeface="Courier New" panose="02070309020205020404" pitchFamily="49" charset="0"/>
               </a:rPr>
-              <a:t>  type Item = T;</a:t>
-            </a:r>
-          </a:p>
-          <a:p>
+              <a:t> </a:t>
+            </a:r>
+            <a:r>
+              <a:rPr lang="de-DE" sz="1600" b="1" dirty="0" err="1">
+                <a:latin typeface="Courier New" panose="02070309020205020404" pitchFamily="49" charset="0"/>
+                <a:cs typeface="Courier New" panose="02070309020205020404" pitchFamily="49" charset="0"/>
+              </a:rPr>
+              <a:t>failable</a:t>
+            </a:r>
             <a:r>
               <a:rPr lang="de-DE" sz="1600" b="1" dirty="0">
                 <a:latin typeface="Courier New" panose="02070309020205020404" pitchFamily="49" charset="0"/>
                 <a:cs typeface="Courier New" panose="02070309020205020404" pitchFamily="49" charset="0"/>
               </a:rPr>
+              <a:t>() {</a:t>
+            </a:r>
+          </a:p>
+          <a:p>
+            <a:r>
+              <a:rPr lang="de-DE" sz="1600" b="1" dirty="0">
+                <a:latin typeface="Courier New" panose="02070309020205020404" pitchFamily="49" charset="0"/>
+                <a:cs typeface="Courier New" panose="02070309020205020404" pitchFamily="49" charset="0"/>
+              </a:rPr>
+              <a:t>  Ok(v) =&gt; v,</a:t>
+            </a:r>
+          </a:p>
+          <a:p>
+            <a:r>
+              <a:rPr lang="de-DE" sz="1600" b="1" dirty="0">
+                <a:latin typeface="Courier New" panose="02070309020205020404" pitchFamily="49" charset="0"/>
+                <a:cs typeface="Courier New" panose="02070309020205020404" pitchFamily="49" charset="0"/>
+              </a:rPr>
               <a:t>  </a:t>
             </a:r>
-          </a:p>
-          <a:p>
+            <a:r>
+              <a:rPr lang="de-DE" sz="1600" b="1" dirty="0" err="1">
+                <a:latin typeface="Courier New" panose="02070309020205020404" pitchFamily="49" charset="0"/>
+                <a:cs typeface="Courier New" panose="02070309020205020404" pitchFamily="49" charset="0"/>
+              </a:rPr>
+              <a:t>Err</a:t>
+            </a:r>
             <a:r>
               <a:rPr lang="de-DE" sz="1600" b="1" dirty="0">
                 <a:latin typeface="Courier New" panose="02070309020205020404" pitchFamily="49" charset="0"/>
                 <a:cs typeface="Courier New" panose="02070309020205020404" pitchFamily="49" charset="0"/>
               </a:rPr>
-              <a:t>  //...</a:t>
+              <a:t>(e) =&gt; </a:t>
+            </a:r>
+            <a:r>
+              <a:rPr lang="de-DE" sz="1600" b="1" dirty="0" err="1">
+                <a:latin typeface="Courier New" panose="02070309020205020404" pitchFamily="49" charset="0"/>
+                <a:cs typeface="Courier New" panose="02070309020205020404" pitchFamily="49" charset="0"/>
+              </a:rPr>
+              <a:t>return</a:t>
+            </a:r>
+            <a:r>
+              <a:rPr lang="de-DE" sz="1600" b="1" dirty="0">
+                <a:latin typeface="Courier New" panose="02070309020205020404" pitchFamily="49" charset="0"/>
+                <a:cs typeface="Courier New" panose="02070309020205020404" pitchFamily="49" charset="0"/>
+              </a:rPr>
+              <a:t> </a:t>
+            </a:r>
+            <a:r>
+              <a:rPr lang="de-DE" sz="1600" b="1" dirty="0" err="1">
+                <a:latin typeface="Courier New" panose="02070309020205020404" pitchFamily="49" charset="0"/>
+                <a:cs typeface="Courier New" panose="02070309020205020404" pitchFamily="49" charset="0"/>
+              </a:rPr>
+              <a:t>Err</a:t>
+            </a:r>
+            <a:r>
+              <a:rPr lang="de-DE" sz="1600" b="1" dirty="0">
+                <a:latin typeface="Courier New" panose="02070309020205020404" pitchFamily="49" charset="0"/>
+                <a:cs typeface="Courier New" panose="02070309020205020404" pitchFamily="49" charset="0"/>
+              </a:rPr>
+              <a:t>(</a:t>
+            </a:r>
+            <a:r>
+              <a:rPr lang="de-DE" sz="1600" b="1" dirty="0" err="1">
+                <a:latin typeface="Courier New" panose="02070309020205020404" pitchFamily="49" charset="0"/>
+                <a:cs typeface="Courier New" panose="02070309020205020404" pitchFamily="49" charset="0"/>
+              </a:rPr>
+              <a:t>e.into</a:t>
+            </a:r>
+            <a:r>
+              <a:rPr lang="de-DE" sz="1600" b="1" dirty="0">
+                <a:latin typeface="Courier New" panose="02070309020205020404" pitchFamily="49" charset="0"/>
+                <a:cs typeface="Courier New" panose="02070309020205020404" pitchFamily="49" charset="0"/>
+              </a:rPr>
+              <a:t>());</a:t>
             </a:r>
           </a:p>
           <a:p>
@@ -6477,7 +8471,142 @@
                                           </p:stCondLst>
                                         </p:cTn>
                                         <p:tgtEl>
-                                          <p:spTgt spid="10"/>
+                                          <p:spTgt spid="9"/>
+                                        </p:tgtEl>
+                                        <p:attrNameLst>
+                                          <p:attrName>style.visibility</p:attrName>
+                                        </p:attrNameLst>
+                                      </p:cBhvr>
+                                      <p:to>
+                                        <p:strVal val="visible"/>
+                                      </p:to>
+                                    </p:set>
+                                  </p:childTnLst>
+                                </p:cTn>
+                              </p:par>
+                            </p:childTnLst>
+                          </p:cTn>
+                        </p:par>
+                      </p:childTnLst>
+                    </p:cTn>
+                  </p:par>
+                  <p:par>
+                    <p:cTn id="7" fill="hold">
+                      <p:stCondLst>
+                        <p:cond delay="indefinite"/>
+                      </p:stCondLst>
+                      <p:childTnLst>
+                        <p:par>
+                          <p:cTn id="8" fill="hold">
+                            <p:stCondLst>
+                              <p:cond delay="0"/>
+                            </p:stCondLst>
+                            <p:childTnLst>
+                              <p:par>
+                                <p:cTn id="9" presetID="1" presetClass="entr" presetSubtype="0" fill="hold" grpId="0" nodeType="clickEffect">
+                                  <p:stCondLst>
+                                    <p:cond delay="0"/>
+                                  </p:stCondLst>
+                                  <p:childTnLst>
+                                    <p:set>
+                                      <p:cBhvr>
+                                        <p:cTn id="10" dur="1" fill="hold">
+                                          <p:stCondLst>
+                                            <p:cond delay="0"/>
+                                          </p:stCondLst>
+                                        </p:cTn>
+                                        <p:tgtEl>
+                                          <p:spTgt spid="11"/>
+                                        </p:tgtEl>
+                                        <p:attrNameLst>
+                                          <p:attrName>style.visibility</p:attrName>
+                                        </p:attrNameLst>
+                                      </p:cBhvr>
+                                      <p:to>
+                                        <p:strVal val="visible"/>
+                                      </p:to>
+                                    </p:set>
+                                  </p:childTnLst>
+                                </p:cTn>
+                              </p:par>
+                            </p:childTnLst>
+                          </p:cTn>
+                        </p:par>
+                      </p:childTnLst>
+                    </p:cTn>
+                  </p:par>
+                  <p:par>
+                    <p:cTn id="11" fill="hold">
+                      <p:stCondLst>
+                        <p:cond delay="indefinite"/>
+                      </p:stCondLst>
+                      <p:childTnLst>
+                        <p:par>
+                          <p:cTn id="12" fill="hold">
+                            <p:stCondLst>
+                              <p:cond delay="0"/>
+                            </p:stCondLst>
+                            <p:childTnLst>
+                              <p:par>
+                                <p:cTn id="13" presetID="1" presetClass="entr" presetSubtype="0" fill="hold" grpId="0" nodeType="clickEffect">
+                                  <p:stCondLst>
+                                    <p:cond delay="0"/>
+                                  </p:stCondLst>
+                                  <p:childTnLst>
+                                    <p:set>
+                                      <p:cBhvr>
+                                        <p:cTn id="14" dur="1" fill="hold">
+                                          <p:stCondLst>
+                                            <p:cond delay="0"/>
+                                          </p:stCondLst>
+                                        </p:cTn>
+                                        <p:tgtEl>
+                                          <p:spTgt spid="12"/>
+                                        </p:tgtEl>
+                                        <p:attrNameLst>
+                                          <p:attrName>style.visibility</p:attrName>
+                                        </p:attrNameLst>
+                                      </p:cBhvr>
+                                      <p:to>
+                                        <p:strVal val="visible"/>
+                                      </p:to>
+                                    </p:set>
+                                  </p:childTnLst>
+                                </p:cTn>
+                              </p:par>
+                            </p:childTnLst>
+                          </p:cTn>
+                        </p:par>
+                      </p:childTnLst>
+                    </p:cTn>
+                  </p:par>
+                  <p:par>
+                    <p:cTn id="15" fill="hold">
+                      <p:stCondLst>
+                        <p:cond delay="indefinite"/>
+                      </p:stCondLst>
+                      <p:childTnLst>
+                        <p:par>
+                          <p:cTn id="16" fill="hold">
+                            <p:stCondLst>
+                              <p:cond delay="0"/>
+                            </p:stCondLst>
+                            <p:childTnLst>
+                              <p:par>
+                                <p:cTn id="17" presetID="1" presetClass="entr" presetSubtype="0" fill="hold" grpId="0" nodeType="clickEffect">
+                                  <p:stCondLst>
+                                    <p:cond delay="0"/>
+                                  </p:stCondLst>
+                                  <p:childTnLst>
+                                    <p:set>
+                                      <p:cBhvr>
+                                        <p:cTn id="18" dur="1" fill="hold">
+                                          <p:stCondLst>
+                                            <p:cond delay="0"/>
+                                          </p:stCondLst>
+                                        </p:cTn>
+                                        <p:tgtEl>
+                                          <p:spTgt spid="13"/>
                                         </p:tgtEl>
                                         <p:attrNameLst>
                                           <p:attrName>style.visibility</p:attrName>
@@ -6518,9 +8647,1241 @@
       </p:par>
     </p:tnLst>
     <p:bldLst>
-      <p:bldP spid="10" grpId="0" animBg="1"/>
+      <p:bldP spid="9" grpId="0" animBg="1"/>
+      <p:bldP spid="11" grpId="0" animBg="1"/>
+      <p:bldP spid="12" grpId="0" animBg="1"/>
+      <p:bldP spid="13" grpId="0" animBg="1"/>
     </p:bldLst>
   </p:timing>
+</p:sld>
+</file>
+
+<file path=ppt/slides/slide7.xml><?xml version="1.0" encoding="utf-8"?>
+<p:sld xmlns:a="http://schemas.openxmlformats.org/drawingml/2006/main" xmlns:r="http://schemas.openxmlformats.org/officeDocument/2006/relationships" xmlns:p="http://schemas.openxmlformats.org/presentationml/2006/main">
+  <p:cSld>
+    <p:spTree>
+      <p:nvGrpSpPr>
+        <p:cNvPr id="1" name=""/>
+        <p:cNvGrpSpPr/>
+        <p:nvPr/>
+      </p:nvGrpSpPr>
+      <p:grpSpPr>
+        <a:xfrm>
+          <a:off x="0" y="0"/>
+          <a:ext cx="0" cy="0"/>
+          <a:chOff x="0" y="0"/>
+          <a:chExt cx="0" cy="0"/>
+        </a:xfrm>
+      </p:grpSpPr>
+      <p:sp>
+        <p:nvSpPr>
+          <p:cNvPr id="2" name="Titel 1">
+            <a:extLst>
+              <a:ext uri="{FF2B5EF4-FFF2-40B4-BE49-F238E27FC236}">
+                <a16:creationId xmlns:a16="http://schemas.microsoft.com/office/drawing/2014/main" id="{7FD9FCBF-76AE-430D-9C88-BAF7A5284691}"/>
+              </a:ext>
+            </a:extLst>
+          </p:cNvPr>
+          <p:cNvSpPr>
+            <a:spLocks noGrp="1"/>
+          </p:cNvSpPr>
+          <p:nvPr>
+            <p:ph type="title"/>
+          </p:nvPr>
+        </p:nvSpPr>
+        <p:spPr/>
+        <p:txBody>
+          <a:bodyPr/>
+          <a:lstStyle/>
+          <a:p>
+            <a:r>
+              <a:rPr lang="en-US" dirty="0"/>
+              <a:t>Result&lt;T, E&gt;</a:t>
+            </a:r>
+            <a:br>
+              <a:rPr lang="en-US" dirty="0"/>
+            </a:br>
+            <a:r>
+              <a:rPr lang="en-US" sz="4000" dirty="0"/>
+              <a:t>Useful methods</a:t>
+            </a:r>
+            <a:endParaRPr lang="en-US" dirty="0"/>
+          </a:p>
+        </p:txBody>
+      </p:sp>
+      <p:sp>
+        <p:nvSpPr>
+          <p:cNvPr id="4" name="Datumsplatzhalter 3">
+            <a:extLst>
+              <a:ext uri="{FF2B5EF4-FFF2-40B4-BE49-F238E27FC236}">
+                <a16:creationId xmlns:a16="http://schemas.microsoft.com/office/drawing/2014/main" id="{5DBEE3B3-05E5-417E-BA2B-97102FA598C0}"/>
+              </a:ext>
+            </a:extLst>
+          </p:cNvPr>
+          <p:cNvSpPr>
+            <a:spLocks noGrp="1"/>
+          </p:cNvSpPr>
+          <p:nvPr>
+            <p:ph type="dt" sz="half" idx="10"/>
+          </p:nvPr>
+        </p:nvSpPr>
+        <p:spPr/>
+        <p:txBody>
+          <a:bodyPr/>
+          <a:lstStyle/>
+          <a:p>
+            <a:fld id="{D48541D9-3425-4F48-A2D7-73AB15E3F4EF}" type="datetime1">
+              <a:rPr lang="de-DE" smtClean="0"/>
+              <a:t>07.08.2019</a:t>
+            </a:fld>
+            <a:endParaRPr lang="de-DE"/>
+          </a:p>
+        </p:txBody>
+      </p:sp>
+      <p:sp>
+        <p:nvSpPr>
+          <p:cNvPr id="5" name="Fußzeilenplatzhalter 4">
+            <a:extLst>
+              <a:ext uri="{FF2B5EF4-FFF2-40B4-BE49-F238E27FC236}">
+                <a16:creationId xmlns:a16="http://schemas.microsoft.com/office/drawing/2014/main" id="{8B6EC505-F67A-4DB7-AE56-CA123D0D046E}"/>
+              </a:ext>
+            </a:extLst>
+          </p:cNvPr>
+          <p:cNvSpPr>
+            <a:spLocks noGrp="1"/>
+          </p:cNvSpPr>
+          <p:nvPr>
+            <p:ph type="ftr" sz="quarter" idx="11"/>
+          </p:nvPr>
+        </p:nvSpPr>
+        <p:spPr/>
+        <p:txBody>
+          <a:bodyPr/>
+          <a:lstStyle/>
+          <a:p>
+            <a:r>
+              <a:rPr lang="en-US"/>
+              <a:t>Introduction to the Rust Programming Language</a:t>
+            </a:r>
+            <a:endParaRPr lang="de-DE" dirty="0"/>
+          </a:p>
+        </p:txBody>
+      </p:sp>
+      <p:sp>
+        <p:nvSpPr>
+          <p:cNvPr id="6" name="Foliennummernplatzhalter 5">
+            <a:extLst>
+              <a:ext uri="{FF2B5EF4-FFF2-40B4-BE49-F238E27FC236}">
+                <a16:creationId xmlns:a16="http://schemas.microsoft.com/office/drawing/2014/main" id="{579A2129-9B2E-4850-A819-8F24A7554F10}"/>
+              </a:ext>
+            </a:extLst>
+          </p:cNvPr>
+          <p:cNvSpPr>
+            <a:spLocks noGrp="1"/>
+          </p:cNvSpPr>
+          <p:nvPr>
+            <p:ph type="sldNum" sz="quarter" idx="12"/>
+          </p:nvPr>
+        </p:nvSpPr>
+        <p:spPr/>
+        <p:txBody>
+          <a:bodyPr/>
+          <a:lstStyle/>
+          <a:p>
+            <a:fld id="{DD84331A-EC78-42D6-8523-DC2F55A89D6A}" type="slidenum">
+              <a:rPr lang="de-DE" smtClean="0"/>
+              <a:pPr/>
+              <a:t>7</a:t>
+            </a:fld>
+            <a:endParaRPr lang="de-DE" dirty="0"/>
+          </a:p>
+        </p:txBody>
+      </p:sp>
+      <p:pic>
+        <p:nvPicPr>
+          <p:cNvPr id="7" name="Grafik 6">
+            <a:extLst>
+              <a:ext uri="{FF2B5EF4-FFF2-40B4-BE49-F238E27FC236}">
+                <a16:creationId xmlns:a16="http://schemas.microsoft.com/office/drawing/2014/main" id="{71E478D4-8F89-40E5-91C4-94834F337846}"/>
+              </a:ext>
+            </a:extLst>
+          </p:cNvPr>
+          <p:cNvPicPr>
+            <a:picLocks noChangeAspect="1"/>
+          </p:cNvPicPr>
+          <p:nvPr/>
+        </p:nvPicPr>
+        <p:blipFill>
+          <a:blip r:embed="rId2">
+            <a:extLst>
+              <a:ext uri="{28A0092B-C50C-407E-A947-70E740481C1C}">
+                <a14:useLocalDpi xmlns:a14="http://schemas.microsoft.com/office/drawing/2010/main" val="0"/>
+              </a:ext>
+            </a:extLst>
+          </a:blip>
+          <a:stretch>
+            <a:fillRect/>
+          </a:stretch>
+        </p:blipFill>
+        <p:spPr>
+          <a:xfrm>
+            <a:off x="9900458" y="286603"/>
+            <a:ext cx="1255222" cy="1255221"/>
+          </a:xfrm>
+          <a:prstGeom prst="rect">
+            <a:avLst/>
+          </a:prstGeom>
+        </p:spPr>
+      </p:pic>
+      <p:pic>
+        <p:nvPicPr>
+          <p:cNvPr id="15" name="Grafik 14">
+            <a:extLst>
+              <a:ext uri="{FF2B5EF4-FFF2-40B4-BE49-F238E27FC236}">
+                <a16:creationId xmlns:a16="http://schemas.microsoft.com/office/drawing/2014/main" id="{C4031C3E-61CF-424B-BC22-795D5CD3A613}"/>
+              </a:ext>
+            </a:extLst>
+          </p:cNvPr>
+          <p:cNvPicPr>
+            <a:picLocks noChangeAspect="1"/>
+          </p:cNvPicPr>
+          <p:nvPr/>
+        </p:nvPicPr>
+        <p:blipFill>
+          <a:blip r:embed="rId3"/>
+          <a:stretch>
+            <a:fillRect/>
+          </a:stretch>
+        </p:blipFill>
+        <p:spPr>
+          <a:xfrm>
+            <a:off x="1097280" y="2338263"/>
+            <a:ext cx="5491478" cy="734687"/>
+          </a:xfrm>
+          <a:prstGeom prst="rect">
+            <a:avLst/>
+          </a:prstGeom>
+        </p:spPr>
+      </p:pic>
+      <p:pic>
+        <p:nvPicPr>
+          <p:cNvPr id="8" name="Grafik 7">
+            <a:extLst>
+              <a:ext uri="{FF2B5EF4-FFF2-40B4-BE49-F238E27FC236}">
+                <a16:creationId xmlns:a16="http://schemas.microsoft.com/office/drawing/2014/main" id="{C67704D6-AD2E-48A2-9838-72F77B8D5337}"/>
+              </a:ext>
+            </a:extLst>
+          </p:cNvPr>
+          <p:cNvPicPr>
+            <a:picLocks noChangeAspect="1"/>
+          </p:cNvPicPr>
+          <p:nvPr/>
+        </p:nvPicPr>
+        <p:blipFill>
+          <a:blip r:embed="rId4"/>
+          <a:stretch>
+            <a:fillRect/>
+          </a:stretch>
+        </p:blipFill>
+        <p:spPr>
+          <a:xfrm>
+            <a:off x="1097281" y="3095283"/>
+            <a:ext cx="6004856" cy="702028"/>
+          </a:xfrm>
+          <a:prstGeom prst="rect">
+            <a:avLst/>
+          </a:prstGeom>
+        </p:spPr>
+      </p:pic>
+      <p:pic>
+        <p:nvPicPr>
+          <p:cNvPr id="17" name="Grafik 16">
+            <a:extLst>
+              <a:ext uri="{FF2B5EF4-FFF2-40B4-BE49-F238E27FC236}">
+                <a16:creationId xmlns:a16="http://schemas.microsoft.com/office/drawing/2014/main" id="{3DC074B6-6F11-403B-BE4D-8F5753D9FE5A}"/>
+              </a:ext>
+            </a:extLst>
+          </p:cNvPr>
+          <p:cNvPicPr>
+            <a:picLocks noChangeAspect="1"/>
+          </p:cNvPicPr>
+          <p:nvPr/>
+        </p:nvPicPr>
+        <p:blipFill>
+          <a:blip r:embed="rId5">
+            <a:extLst>
+              <a:ext uri="{28A0092B-C50C-407E-A947-70E740481C1C}">
+                <a14:useLocalDpi xmlns:a14="http://schemas.microsoft.com/office/drawing/2010/main" val="0"/>
+              </a:ext>
+            </a:extLst>
+          </a:blip>
+          <a:stretch>
+            <a:fillRect/>
+          </a:stretch>
+        </p:blipFill>
+        <p:spPr>
+          <a:xfrm>
+            <a:off x="6806005" y="3987069"/>
+            <a:ext cx="1917121" cy="1133572"/>
+          </a:xfrm>
+          <a:prstGeom prst="rect">
+            <a:avLst/>
+          </a:prstGeom>
+        </p:spPr>
+      </p:pic>
+    </p:spTree>
+    <p:extLst>
+      <p:ext uri="{BB962C8B-B14F-4D97-AF65-F5344CB8AC3E}">
+        <p14:creationId xmlns:p14="http://schemas.microsoft.com/office/powerpoint/2010/main" val="532636189"/>
+      </p:ext>
+    </p:extLst>
+  </p:cSld>
+  <p:clrMapOvr>
+    <a:masterClrMapping/>
+  </p:clrMapOvr>
+</p:sld>
+</file>
+
+<file path=ppt/slides/slide8.xml><?xml version="1.0" encoding="utf-8"?>
+<p:sld xmlns:a="http://schemas.openxmlformats.org/drawingml/2006/main" xmlns:r="http://schemas.openxmlformats.org/officeDocument/2006/relationships" xmlns:p="http://schemas.openxmlformats.org/presentationml/2006/main">
+  <p:cSld>
+    <p:spTree>
+      <p:nvGrpSpPr>
+        <p:cNvPr id="1" name=""/>
+        <p:cNvGrpSpPr/>
+        <p:nvPr/>
+      </p:nvGrpSpPr>
+      <p:grpSpPr>
+        <a:xfrm>
+          <a:off x="0" y="0"/>
+          <a:ext cx="0" cy="0"/>
+          <a:chOff x="0" y="0"/>
+          <a:chExt cx="0" cy="0"/>
+        </a:xfrm>
+      </p:grpSpPr>
+      <p:sp>
+        <p:nvSpPr>
+          <p:cNvPr id="2" name="Titel 1">
+            <a:extLst>
+              <a:ext uri="{FF2B5EF4-FFF2-40B4-BE49-F238E27FC236}">
+                <a16:creationId xmlns:a16="http://schemas.microsoft.com/office/drawing/2014/main" id="{7FD9FCBF-76AE-430D-9C88-BAF7A5284691}"/>
+              </a:ext>
+            </a:extLst>
+          </p:cNvPr>
+          <p:cNvSpPr>
+            <a:spLocks noGrp="1"/>
+          </p:cNvSpPr>
+          <p:nvPr>
+            <p:ph type="title"/>
+          </p:nvPr>
+        </p:nvSpPr>
+        <p:spPr/>
+        <p:txBody>
+          <a:bodyPr/>
+          <a:lstStyle/>
+          <a:p>
+            <a:r>
+              <a:rPr lang="en-US" dirty="0"/>
+              <a:t>Error handling patterns</a:t>
+            </a:r>
+            <a:br>
+              <a:rPr lang="en-US" dirty="0"/>
+            </a:br>
+            <a:r>
+              <a:rPr lang="en-US" sz="4000" dirty="0"/>
+              <a:t>The Error trait</a:t>
+            </a:r>
+            <a:endParaRPr lang="en-US" dirty="0"/>
+          </a:p>
+        </p:txBody>
+      </p:sp>
+      <p:sp>
+        <p:nvSpPr>
+          <p:cNvPr id="3" name="Inhaltsplatzhalter 2">
+            <a:extLst>
+              <a:ext uri="{FF2B5EF4-FFF2-40B4-BE49-F238E27FC236}">
+                <a16:creationId xmlns:a16="http://schemas.microsoft.com/office/drawing/2014/main" id="{AD2D2A6A-C1D6-4B1F-9423-1E34065A12DB}"/>
+              </a:ext>
+            </a:extLst>
+          </p:cNvPr>
+          <p:cNvSpPr>
+            <a:spLocks noGrp="1"/>
+          </p:cNvSpPr>
+          <p:nvPr>
+            <p:ph idx="1"/>
+          </p:nvPr>
+        </p:nvSpPr>
+        <p:spPr/>
+        <p:txBody>
+          <a:bodyPr/>
+          <a:lstStyle/>
+          <a:p>
+            <a:r>
+              <a:rPr lang="de-DE" dirty="0"/>
+              <a:t>Methods </a:t>
+            </a:r>
+            <a:r>
+              <a:rPr lang="de-DE" sz="1800" b="1" dirty="0" err="1">
+                <a:solidFill>
+                  <a:schemeClr val="tx1"/>
+                </a:solidFill>
+                <a:latin typeface="Courier New" panose="02070309020205020404" pitchFamily="49" charset="0"/>
+                <a:cs typeface="Courier New" panose="02070309020205020404" pitchFamily="49" charset="0"/>
+              </a:rPr>
+              <a:t>cause</a:t>
+            </a:r>
+            <a:r>
+              <a:rPr lang="de-DE" sz="1800" b="1" dirty="0">
+                <a:solidFill>
+                  <a:schemeClr val="tx1"/>
+                </a:solidFill>
+                <a:latin typeface="Courier New" panose="02070309020205020404" pitchFamily="49" charset="0"/>
+                <a:cs typeface="Courier New" panose="02070309020205020404" pitchFamily="49" charset="0"/>
+              </a:rPr>
+              <a:t>() </a:t>
+            </a:r>
+            <a:r>
+              <a:rPr lang="de-DE" dirty="0"/>
+              <a:t>and </a:t>
+            </a:r>
+            <a:r>
+              <a:rPr lang="de-DE" sz="1800" b="1" dirty="0" err="1">
+                <a:solidFill>
+                  <a:schemeClr val="tx1"/>
+                </a:solidFill>
+                <a:latin typeface="Courier New" panose="02070309020205020404" pitchFamily="49" charset="0"/>
+                <a:cs typeface="Courier New" panose="02070309020205020404" pitchFamily="49" charset="0"/>
+              </a:rPr>
+              <a:t>description</a:t>
+            </a:r>
+            <a:r>
+              <a:rPr lang="de-DE" sz="1800" b="1" dirty="0">
+                <a:solidFill>
+                  <a:schemeClr val="tx1"/>
+                </a:solidFill>
+                <a:latin typeface="Courier New" panose="02070309020205020404" pitchFamily="49" charset="0"/>
+                <a:cs typeface="Courier New" panose="02070309020205020404" pitchFamily="49" charset="0"/>
+              </a:rPr>
+              <a:t>() </a:t>
+            </a:r>
+            <a:r>
+              <a:rPr lang="de-DE" dirty="0" err="1"/>
+              <a:t>are</a:t>
+            </a:r>
+            <a:r>
+              <a:rPr lang="de-DE" dirty="0"/>
+              <a:t> </a:t>
+            </a:r>
+            <a:br>
+              <a:rPr lang="de-DE" dirty="0"/>
+            </a:br>
+            <a:r>
+              <a:rPr lang="de-DE" dirty="0"/>
+              <a:t>(soft) </a:t>
+            </a:r>
+            <a:r>
+              <a:rPr lang="de-DE" dirty="0" err="1"/>
+              <a:t>deprecated</a:t>
+            </a:r>
+            <a:r>
+              <a:rPr lang="de-DE" dirty="0"/>
+              <a:t>.</a:t>
+            </a:r>
+          </a:p>
+          <a:p>
+            <a:r>
+              <a:rPr lang="de-DE" dirty="0"/>
+              <a:t>Must </a:t>
+            </a:r>
+            <a:r>
+              <a:rPr lang="de-DE" dirty="0" err="1"/>
+              <a:t>implement</a:t>
+            </a:r>
+            <a:r>
+              <a:rPr lang="de-DE" dirty="0"/>
+              <a:t> </a:t>
+            </a:r>
+            <a:r>
+              <a:rPr lang="de-DE" sz="1800" b="1" dirty="0" err="1">
+                <a:solidFill>
+                  <a:schemeClr val="tx1"/>
+                </a:solidFill>
+                <a:latin typeface="Courier New" panose="02070309020205020404" pitchFamily="49" charset="0"/>
+                <a:cs typeface="Courier New" panose="02070309020205020404" pitchFamily="49" charset="0"/>
+              </a:rPr>
+              <a:t>Debug</a:t>
+            </a:r>
+            <a:r>
+              <a:rPr lang="de-DE" dirty="0"/>
+              <a:t> and </a:t>
+            </a:r>
+            <a:r>
+              <a:rPr lang="de-DE" sz="1800" b="1" dirty="0">
+                <a:solidFill>
+                  <a:schemeClr val="tx1"/>
+                </a:solidFill>
+                <a:latin typeface="Courier New" panose="02070309020205020404" pitchFamily="49" charset="0"/>
+                <a:cs typeface="Courier New" panose="02070309020205020404" pitchFamily="49" charset="0"/>
+              </a:rPr>
+              <a:t>Display</a:t>
+            </a:r>
+            <a:r>
+              <a:rPr lang="de-DE" dirty="0"/>
+              <a:t>.</a:t>
+            </a:r>
+          </a:p>
+          <a:p>
+            <a:r>
+              <a:rPr lang="de-DE" dirty="0"/>
+              <a:t>All </a:t>
+            </a:r>
+            <a:r>
+              <a:rPr lang="de-DE" dirty="0" err="1"/>
+              <a:t>methods</a:t>
+            </a:r>
+            <a:r>
+              <a:rPr lang="de-DE" dirty="0"/>
+              <a:t> </a:t>
+            </a:r>
+            <a:r>
+              <a:rPr lang="de-DE" dirty="0" err="1"/>
+              <a:t>have</a:t>
+            </a:r>
+            <a:r>
+              <a:rPr lang="de-DE" dirty="0"/>
+              <a:t> </a:t>
+            </a:r>
+            <a:r>
+              <a:rPr lang="de-DE" dirty="0" err="1"/>
+              <a:t>default</a:t>
+            </a:r>
+            <a:r>
+              <a:rPr lang="de-DE" dirty="0"/>
+              <a:t> </a:t>
+            </a:r>
+            <a:r>
+              <a:rPr lang="de-DE" dirty="0" err="1"/>
+              <a:t>implementations</a:t>
+            </a:r>
+            <a:r>
+              <a:rPr lang="de-DE" dirty="0"/>
+              <a:t>.</a:t>
+            </a:r>
+          </a:p>
+        </p:txBody>
+      </p:sp>
+      <p:sp>
+        <p:nvSpPr>
+          <p:cNvPr id="4" name="Datumsplatzhalter 3">
+            <a:extLst>
+              <a:ext uri="{FF2B5EF4-FFF2-40B4-BE49-F238E27FC236}">
+                <a16:creationId xmlns:a16="http://schemas.microsoft.com/office/drawing/2014/main" id="{5DBEE3B3-05E5-417E-BA2B-97102FA598C0}"/>
+              </a:ext>
+            </a:extLst>
+          </p:cNvPr>
+          <p:cNvSpPr>
+            <a:spLocks noGrp="1"/>
+          </p:cNvSpPr>
+          <p:nvPr>
+            <p:ph type="dt" sz="half" idx="10"/>
+          </p:nvPr>
+        </p:nvSpPr>
+        <p:spPr/>
+        <p:txBody>
+          <a:bodyPr/>
+          <a:lstStyle/>
+          <a:p>
+            <a:fld id="{D48541D9-3425-4F48-A2D7-73AB15E3F4EF}" type="datetime1">
+              <a:rPr lang="de-DE" smtClean="0"/>
+              <a:t>07.08.2019</a:t>
+            </a:fld>
+            <a:endParaRPr lang="de-DE" dirty="0"/>
+          </a:p>
+        </p:txBody>
+      </p:sp>
+      <p:sp>
+        <p:nvSpPr>
+          <p:cNvPr id="5" name="Fußzeilenplatzhalter 4">
+            <a:extLst>
+              <a:ext uri="{FF2B5EF4-FFF2-40B4-BE49-F238E27FC236}">
+                <a16:creationId xmlns:a16="http://schemas.microsoft.com/office/drawing/2014/main" id="{8B6EC505-F67A-4DB7-AE56-CA123D0D046E}"/>
+              </a:ext>
+            </a:extLst>
+          </p:cNvPr>
+          <p:cNvSpPr>
+            <a:spLocks noGrp="1"/>
+          </p:cNvSpPr>
+          <p:nvPr>
+            <p:ph type="ftr" sz="quarter" idx="11"/>
+          </p:nvPr>
+        </p:nvSpPr>
+        <p:spPr/>
+        <p:txBody>
+          <a:bodyPr/>
+          <a:lstStyle/>
+          <a:p>
+            <a:r>
+              <a:rPr lang="en-US"/>
+              <a:t>Introduction to the Rust Programming Language</a:t>
+            </a:r>
+            <a:endParaRPr lang="de-DE" dirty="0"/>
+          </a:p>
+        </p:txBody>
+      </p:sp>
+      <p:sp>
+        <p:nvSpPr>
+          <p:cNvPr id="6" name="Foliennummernplatzhalter 5">
+            <a:extLst>
+              <a:ext uri="{FF2B5EF4-FFF2-40B4-BE49-F238E27FC236}">
+                <a16:creationId xmlns:a16="http://schemas.microsoft.com/office/drawing/2014/main" id="{579A2129-9B2E-4850-A819-8F24A7554F10}"/>
+              </a:ext>
+            </a:extLst>
+          </p:cNvPr>
+          <p:cNvSpPr>
+            <a:spLocks noGrp="1"/>
+          </p:cNvSpPr>
+          <p:nvPr>
+            <p:ph type="sldNum" sz="quarter" idx="12"/>
+          </p:nvPr>
+        </p:nvSpPr>
+        <p:spPr/>
+        <p:txBody>
+          <a:bodyPr/>
+          <a:lstStyle/>
+          <a:p>
+            <a:fld id="{DD84331A-EC78-42D6-8523-DC2F55A89D6A}" type="slidenum">
+              <a:rPr lang="de-DE" smtClean="0"/>
+              <a:pPr/>
+              <a:t>8</a:t>
+            </a:fld>
+            <a:endParaRPr lang="de-DE" dirty="0"/>
+          </a:p>
+        </p:txBody>
+      </p:sp>
+      <p:pic>
+        <p:nvPicPr>
+          <p:cNvPr id="7" name="Grafik 6">
+            <a:extLst>
+              <a:ext uri="{FF2B5EF4-FFF2-40B4-BE49-F238E27FC236}">
+                <a16:creationId xmlns:a16="http://schemas.microsoft.com/office/drawing/2014/main" id="{71E478D4-8F89-40E5-91C4-94834F337846}"/>
+              </a:ext>
+            </a:extLst>
+          </p:cNvPr>
+          <p:cNvPicPr>
+            <a:picLocks noChangeAspect="1"/>
+          </p:cNvPicPr>
+          <p:nvPr/>
+        </p:nvPicPr>
+        <p:blipFill>
+          <a:blip r:embed="rId2">
+            <a:extLst>
+              <a:ext uri="{28A0092B-C50C-407E-A947-70E740481C1C}">
+                <a14:useLocalDpi xmlns:a14="http://schemas.microsoft.com/office/drawing/2010/main" val="0"/>
+              </a:ext>
+            </a:extLst>
+          </a:blip>
+          <a:stretch>
+            <a:fillRect/>
+          </a:stretch>
+        </p:blipFill>
+        <p:spPr>
+          <a:xfrm>
+            <a:off x="9900458" y="286603"/>
+            <a:ext cx="1255222" cy="1255221"/>
+          </a:xfrm>
+          <a:prstGeom prst="rect">
+            <a:avLst/>
+          </a:prstGeom>
+        </p:spPr>
+      </p:pic>
+      <p:sp>
+        <p:nvSpPr>
+          <p:cNvPr id="11" name="Textfeld 10">
+            <a:extLst>
+              <a:ext uri="{FF2B5EF4-FFF2-40B4-BE49-F238E27FC236}">
+                <a16:creationId xmlns:a16="http://schemas.microsoft.com/office/drawing/2014/main" id="{33519A06-5FAA-4DBE-9A44-9FB4AB1836F9}"/>
+              </a:ext>
+            </a:extLst>
+          </p:cNvPr>
+          <p:cNvSpPr txBox="1"/>
+          <p:nvPr/>
+        </p:nvSpPr>
+        <p:spPr>
+          <a:xfrm>
+            <a:off x="6096000" y="1954961"/>
+            <a:ext cx="4814656" cy="2062103"/>
+          </a:xfrm>
+          <a:prstGeom prst="rect">
+            <a:avLst/>
+          </a:prstGeom>
+          <a:noFill/>
+          <a:ln>
+            <a:solidFill>
+              <a:schemeClr val="tx1"/>
+            </a:solidFill>
+          </a:ln>
+        </p:spPr>
+        <p:txBody>
+          <a:bodyPr wrap="square" rtlCol="0">
+            <a:spAutoFit/>
+          </a:bodyPr>
+          <a:lstStyle/>
+          <a:p>
+            <a:r>
+              <a:rPr lang="de-DE" sz="1600" b="1" dirty="0" err="1">
+                <a:latin typeface="Courier New" panose="02070309020205020404" pitchFamily="49" charset="0"/>
+                <a:cs typeface="Courier New" panose="02070309020205020404" pitchFamily="49" charset="0"/>
+              </a:rPr>
+              <a:t>trait</a:t>
+            </a:r>
+            <a:r>
+              <a:rPr lang="de-DE" sz="1600" b="1" dirty="0">
+                <a:latin typeface="Courier New" panose="02070309020205020404" pitchFamily="49" charset="0"/>
+                <a:cs typeface="Courier New" panose="02070309020205020404" pitchFamily="49" charset="0"/>
+              </a:rPr>
+              <a:t> Error: </a:t>
+            </a:r>
+            <a:r>
+              <a:rPr lang="de-DE" sz="1600" b="1" dirty="0" err="1">
+                <a:latin typeface="Courier New" panose="02070309020205020404" pitchFamily="49" charset="0"/>
+                <a:cs typeface="Courier New" panose="02070309020205020404" pitchFamily="49" charset="0"/>
+              </a:rPr>
+              <a:t>Debug</a:t>
+            </a:r>
+            <a:r>
+              <a:rPr lang="de-DE" sz="1600" b="1" dirty="0">
+                <a:latin typeface="Courier New" panose="02070309020205020404" pitchFamily="49" charset="0"/>
+                <a:cs typeface="Courier New" panose="02070309020205020404" pitchFamily="49" charset="0"/>
+              </a:rPr>
+              <a:t> + Display {</a:t>
+            </a:r>
+          </a:p>
+          <a:p>
+            <a:r>
+              <a:rPr lang="de-DE" sz="1600" b="1" dirty="0">
+                <a:latin typeface="Courier New" panose="02070309020205020404" pitchFamily="49" charset="0"/>
+                <a:cs typeface="Courier New" panose="02070309020205020404" pitchFamily="49" charset="0"/>
+              </a:rPr>
+              <a:t>  </a:t>
+            </a:r>
+            <a:r>
+              <a:rPr lang="de-DE" sz="1600" b="1" dirty="0" err="1">
+                <a:latin typeface="Courier New" panose="02070309020205020404" pitchFamily="49" charset="0"/>
+                <a:cs typeface="Courier New" panose="02070309020205020404" pitchFamily="49" charset="0"/>
+              </a:rPr>
+              <a:t>fn</a:t>
+            </a:r>
+            <a:r>
+              <a:rPr lang="de-DE" sz="1600" b="1" dirty="0">
+                <a:latin typeface="Courier New" panose="02070309020205020404" pitchFamily="49" charset="0"/>
+                <a:cs typeface="Courier New" panose="02070309020205020404" pitchFamily="49" charset="0"/>
+              </a:rPr>
+              <a:t> source(</a:t>
+            </a:r>
+          </a:p>
+          <a:p>
+            <a:r>
+              <a:rPr lang="de-DE" sz="1600" b="1" dirty="0">
+                <a:latin typeface="Courier New" panose="02070309020205020404" pitchFamily="49" charset="0"/>
+                <a:cs typeface="Courier New" panose="02070309020205020404" pitchFamily="49" charset="0"/>
+              </a:rPr>
+              <a:t>    &amp;</a:t>
+            </a:r>
+            <a:r>
+              <a:rPr lang="de-DE" sz="1600" b="1" dirty="0" err="1">
+                <a:latin typeface="Courier New" panose="02070309020205020404" pitchFamily="49" charset="0"/>
+                <a:cs typeface="Courier New" panose="02070309020205020404" pitchFamily="49" charset="0"/>
+              </a:rPr>
+              <a:t>self</a:t>
+            </a:r>
+            <a:endParaRPr lang="de-DE" sz="1600" b="1" dirty="0">
+              <a:latin typeface="Courier New" panose="02070309020205020404" pitchFamily="49" charset="0"/>
+              <a:cs typeface="Courier New" panose="02070309020205020404" pitchFamily="49" charset="0"/>
+            </a:endParaRPr>
+          </a:p>
+          <a:p>
+            <a:r>
+              <a:rPr lang="de-DE" sz="1600" b="1" dirty="0">
+                <a:latin typeface="Courier New" panose="02070309020205020404" pitchFamily="49" charset="0"/>
+                <a:cs typeface="Courier New" panose="02070309020205020404" pitchFamily="49" charset="0"/>
+              </a:rPr>
+              <a:t>  ) -&gt; Option&lt;&amp;(</a:t>
+            </a:r>
+            <a:r>
+              <a:rPr lang="de-DE" sz="1600" b="1" dirty="0" err="1">
+                <a:latin typeface="Courier New" panose="02070309020205020404" pitchFamily="49" charset="0"/>
+                <a:cs typeface="Courier New" panose="02070309020205020404" pitchFamily="49" charset="0"/>
+              </a:rPr>
+              <a:t>dyn</a:t>
+            </a:r>
+            <a:r>
+              <a:rPr lang="de-DE" sz="1600" b="1" dirty="0">
+                <a:latin typeface="Courier New" panose="02070309020205020404" pitchFamily="49" charset="0"/>
+                <a:cs typeface="Courier New" panose="02070309020205020404" pitchFamily="49" charset="0"/>
+              </a:rPr>
+              <a:t> ‘</a:t>
+            </a:r>
+            <a:r>
+              <a:rPr lang="de-DE" sz="1600" b="1" dirty="0" err="1">
+                <a:latin typeface="Courier New" panose="02070309020205020404" pitchFamily="49" charset="0"/>
+                <a:cs typeface="Courier New" panose="02070309020205020404" pitchFamily="49" charset="0"/>
+              </a:rPr>
+              <a:t>static</a:t>
+            </a:r>
+            <a:r>
+              <a:rPr lang="de-DE" sz="1600" b="1" dirty="0">
+                <a:latin typeface="Courier New" panose="02070309020205020404" pitchFamily="49" charset="0"/>
+                <a:cs typeface="Courier New" panose="02070309020205020404" pitchFamily="49" charset="0"/>
+              </a:rPr>
+              <a:t> + Error)&gt; </a:t>
+            </a:r>
+          </a:p>
+          <a:p>
+            <a:r>
+              <a:rPr lang="de-DE" sz="1600" b="1" dirty="0">
+                <a:latin typeface="Courier New" panose="02070309020205020404" pitchFamily="49" charset="0"/>
+                <a:cs typeface="Courier New" panose="02070309020205020404" pitchFamily="49" charset="0"/>
+              </a:rPr>
+              <a:t>  {</a:t>
+            </a:r>
+          </a:p>
+          <a:p>
+            <a:r>
+              <a:rPr lang="de-DE" sz="1600" b="1" dirty="0">
+                <a:latin typeface="Courier New" panose="02070309020205020404" pitchFamily="49" charset="0"/>
+                <a:cs typeface="Courier New" panose="02070309020205020404" pitchFamily="49" charset="0"/>
+              </a:rPr>
+              <a:t>    None</a:t>
+            </a:r>
+          </a:p>
+          <a:p>
+            <a:r>
+              <a:rPr lang="de-DE" sz="1600" b="1" dirty="0">
+                <a:latin typeface="Courier New" panose="02070309020205020404" pitchFamily="49" charset="0"/>
+                <a:cs typeface="Courier New" panose="02070309020205020404" pitchFamily="49" charset="0"/>
+              </a:rPr>
+              <a:t>  }</a:t>
+            </a:r>
+          </a:p>
+          <a:p>
+            <a:r>
+              <a:rPr lang="de-DE" sz="1600" b="1" dirty="0">
+                <a:latin typeface="Courier New" panose="02070309020205020404" pitchFamily="49" charset="0"/>
+                <a:cs typeface="Courier New" panose="02070309020205020404" pitchFamily="49" charset="0"/>
+              </a:rPr>
+              <a:t>}</a:t>
+            </a:r>
+          </a:p>
+        </p:txBody>
+      </p:sp>
+    </p:spTree>
+    <p:extLst>
+      <p:ext uri="{BB962C8B-B14F-4D97-AF65-F5344CB8AC3E}">
+        <p14:creationId xmlns:p14="http://schemas.microsoft.com/office/powerpoint/2010/main" val="1221314563"/>
+      </p:ext>
+    </p:extLst>
+  </p:cSld>
+  <p:clrMapOvr>
+    <a:masterClrMapping/>
+  </p:clrMapOvr>
+  <p:timing>
+    <p:tnLst>
+      <p:par>
+        <p:cTn id="1" dur="indefinite" restart="never" nodeType="tmRoot">
+          <p:childTnLst>
+            <p:seq concurrent="1" nextAc="seek">
+              <p:cTn id="2" dur="indefinite" nodeType="mainSeq">
+                <p:childTnLst>
+                  <p:par>
+                    <p:cTn id="3" fill="hold">
+                      <p:stCondLst>
+                        <p:cond delay="indefinite"/>
+                      </p:stCondLst>
+                      <p:childTnLst>
+                        <p:par>
+                          <p:cTn id="4" fill="hold">
+                            <p:stCondLst>
+                              <p:cond delay="0"/>
+                            </p:stCondLst>
+                            <p:childTnLst>
+                              <p:par>
+                                <p:cTn id="5" presetID="1" presetClass="entr" presetSubtype="0" fill="hold" grpId="0" nodeType="clickEffect">
+                                  <p:stCondLst>
+                                    <p:cond delay="0"/>
+                                  </p:stCondLst>
+                                  <p:childTnLst>
+                                    <p:set>
+                                      <p:cBhvr>
+                                        <p:cTn id="6" dur="1" fill="hold">
+                                          <p:stCondLst>
+                                            <p:cond delay="0"/>
+                                          </p:stCondLst>
+                                        </p:cTn>
+                                        <p:tgtEl>
+                                          <p:spTgt spid="11"/>
+                                        </p:tgtEl>
+                                        <p:attrNameLst>
+                                          <p:attrName>style.visibility</p:attrName>
+                                        </p:attrNameLst>
+                                      </p:cBhvr>
+                                      <p:to>
+                                        <p:strVal val="visible"/>
+                                      </p:to>
+                                    </p:set>
+                                  </p:childTnLst>
+                                </p:cTn>
+                              </p:par>
+                            </p:childTnLst>
+                          </p:cTn>
+                        </p:par>
+                      </p:childTnLst>
+                    </p:cTn>
+                  </p:par>
+                </p:childTnLst>
+              </p:cTn>
+              <p:prevCondLst>
+                <p:cond evt="onPrev" delay="0">
+                  <p:tgtEl>
+                    <p:sldTgt/>
+                  </p:tgtEl>
+                </p:cond>
+              </p:prevCondLst>
+              <p:nextCondLst>
+                <p:cond evt="onNext" delay="0">
+                  <p:tgtEl>
+                    <p:sldTgt/>
+                  </p:tgtEl>
+                </p:cond>
+              </p:nextCondLst>
+            </p:seq>
+          </p:childTnLst>
+        </p:cTn>
+      </p:par>
+    </p:tnLst>
+    <p:bldLst>
+      <p:bldP spid="11" grpId="0" animBg="1"/>
+    </p:bldLst>
+  </p:timing>
+</p:sld>
+</file>
+
+<file path=ppt/slides/slide9.xml><?xml version="1.0" encoding="utf-8"?>
+<p:sld xmlns:a="http://schemas.openxmlformats.org/drawingml/2006/main" xmlns:r="http://schemas.openxmlformats.org/officeDocument/2006/relationships" xmlns:p="http://schemas.openxmlformats.org/presentationml/2006/main">
+  <p:cSld>
+    <p:spTree>
+      <p:nvGrpSpPr>
+        <p:cNvPr id="1" name=""/>
+        <p:cNvGrpSpPr/>
+        <p:nvPr/>
+      </p:nvGrpSpPr>
+      <p:grpSpPr>
+        <a:xfrm>
+          <a:off x="0" y="0"/>
+          <a:ext cx="0" cy="0"/>
+          <a:chOff x="0" y="0"/>
+          <a:chExt cx="0" cy="0"/>
+        </a:xfrm>
+      </p:grpSpPr>
+      <p:sp>
+        <p:nvSpPr>
+          <p:cNvPr id="2" name="Titel 1">
+            <a:extLst>
+              <a:ext uri="{FF2B5EF4-FFF2-40B4-BE49-F238E27FC236}">
+                <a16:creationId xmlns:a16="http://schemas.microsoft.com/office/drawing/2014/main" id="{7FD9FCBF-76AE-430D-9C88-BAF7A5284691}"/>
+              </a:ext>
+            </a:extLst>
+          </p:cNvPr>
+          <p:cNvSpPr>
+            <a:spLocks noGrp="1"/>
+          </p:cNvSpPr>
+          <p:nvPr>
+            <p:ph type="title"/>
+          </p:nvPr>
+        </p:nvSpPr>
+        <p:spPr/>
+        <p:txBody>
+          <a:bodyPr/>
+          <a:lstStyle/>
+          <a:p>
+            <a:r>
+              <a:rPr lang="en-US" dirty="0"/>
+              <a:t>Error handling patterns</a:t>
+            </a:r>
+            <a:br>
+              <a:rPr lang="en-US" dirty="0"/>
+            </a:br>
+            <a:r>
+              <a:rPr lang="en-US" sz="4000" dirty="0"/>
+              <a:t>Always panic</a:t>
+            </a:r>
+            <a:endParaRPr lang="en-US" dirty="0"/>
+          </a:p>
+        </p:txBody>
+      </p:sp>
+      <p:sp>
+        <p:nvSpPr>
+          <p:cNvPr id="3" name="Inhaltsplatzhalter 2">
+            <a:extLst>
+              <a:ext uri="{FF2B5EF4-FFF2-40B4-BE49-F238E27FC236}">
+                <a16:creationId xmlns:a16="http://schemas.microsoft.com/office/drawing/2014/main" id="{F0FBBCE1-33B5-432A-A0AA-5F656A992533}"/>
+              </a:ext>
+            </a:extLst>
+          </p:cNvPr>
+          <p:cNvSpPr>
+            <a:spLocks noGrp="1"/>
+          </p:cNvSpPr>
+          <p:nvPr>
+            <p:ph idx="1"/>
+          </p:nvPr>
+        </p:nvSpPr>
+        <p:spPr/>
+        <p:txBody>
+          <a:bodyPr/>
+          <a:lstStyle/>
+          <a:p>
+            <a:r>
+              <a:rPr lang="en-US" dirty="0"/>
+              <a:t>Use </a:t>
+            </a:r>
+            <a:r>
+              <a:rPr lang="en-US" sz="1800" b="1" dirty="0">
+                <a:solidFill>
+                  <a:schemeClr val="tx1"/>
+                </a:solidFill>
+                <a:latin typeface="Courier New" panose="02070309020205020404" pitchFamily="49" charset="0"/>
+                <a:cs typeface="Courier New" panose="02070309020205020404" pitchFamily="49" charset="0"/>
+              </a:rPr>
+              <a:t>Result</a:t>
+            </a:r>
+            <a:r>
+              <a:rPr lang="en-US" dirty="0"/>
+              <a:t>’s methods </a:t>
+            </a:r>
+            <a:r>
+              <a:rPr lang="en-US" sz="1800" b="1" dirty="0">
+                <a:solidFill>
+                  <a:schemeClr val="tx1"/>
+                </a:solidFill>
+                <a:latin typeface="Courier New" panose="02070309020205020404" pitchFamily="49" charset="0"/>
+                <a:cs typeface="Courier New" panose="02070309020205020404" pitchFamily="49" charset="0"/>
+              </a:rPr>
+              <a:t>unwrap() </a:t>
+            </a:r>
+            <a:r>
+              <a:rPr lang="en-US" dirty="0"/>
+              <a:t>or better </a:t>
+            </a:r>
+            <a:r>
+              <a:rPr lang="en-US" sz="1800" b="1" dirty="0">
+                <a:solidFill>
+                  <a:schemeClr val="tx1"/>
+                </a:solidFill>
+                <a:latin typeface="Courier New" panose="02070309020205020404" pitchFamily="49" charset="0"/>
+                <a:cs typeface="Courier New" panose="02070309020205020404" pitchFamily="49" charset="0"/>
+              </a:rPr>
+              <a:t>expect()</a:t>
+            </a:r>
+            <a:r>
+              <a:rPr lang="en-US" dirty="0"/>
+              <a:t>.</a:t>
+            </a:r>
+          </a:p>
+          <a:p>
+            <a:r>
+              <a:rPr lang="en-US" dirty="0"/>
+              <a:t>Suitable for quick prototyping or small examples.</a:t>
+            </a:r>
+          </a:p>
+          <a:p>
+            <a:r>
+              <a:rPr lang="en-US" dirty="0"/>
+              <a:t>Not ergonomic.</a:t>
+            </a:r>
+          </a:p>
+          <a:p>
+            <a:r>
+              <a:rPr lang="en-US" dirty="0"/>
+              <a:t>Very bad for bigger applications.</a:t>
+            </a:r>
+          </a:p>
+          <a:p>
+            <a:r>
+              <a:rPr lang="en-US" dirty="0"/>
+              <a:t>Rule of thumb: Introduce proper error handling as soon as possible!</a:t>
+            </a:r>
+          </a:p>
+        </p:txBody>
+      </p:sp>
+      <p:sp>
+        <p:nvSpPr>
+          <p:cNvPr id="4" name="Datumsplatzhalter 3">
+            <a:extLst>
+              <a:ext uri="{FF2B5EF4-FFF2-40B4-BE49-F238E27FC236}">
+                <a16:creationId xmlns:a16="http://schemas.microsoft.com/office/drawing/2014/main" id="{5DBEE3B3-05E5-417E-BA2B-97102FA598C0}"/>
+              </a:ext>
+            </a:extLst>
+          </p:cNvPr>
+          <p:cNvSpPr>
+            <a:spLocks noGrp="1"/>
+          </p:cNvSpPr>
+          <p:nvPr>
+            <p:ph type="dt" sz="half" idx="10"/>
+          </p:nvPr>
+        </p:nvSpPr>
+        <p:spPr/>
+        <p:txBody>
+          <a:bodyPr/>
+          <a:lstStyle/>
+          <a:p>
+            <a:fld id="{D48541D9-3425-4F48-A2D7-73AB15E3F4EF}" type="datetime1">
+              <a:rPr lang="de-DE" smtClean="0"/>
+              <a:t>07.08.2019</a:t>
+            </a:fld>
+            <a:endParaRPr lang="de-DE"/>
+          </a:p>
+        </p:txBody>
+      </p:sp>
+      <p:sp>
+        <p:nvSpPr>
+          <p:cNvPr id="5" name="Fußzeilenplatzhalter 4">
+            <a:extLst>
+              <a:ext uri="{FF2B5EF4-FFF2-40B4-BE49-F238E27FC236}">
+                <a16:creationId xmlns:a16="http://schemas.microsoft.com/office/drawing/2014/main" id="{8B6EC505-F67A-4DB7-AE56-CA123D0D046E}"/>
+              </a:ext>
+            </a:extLst>
+          </p:cNvPr>
+          <p:cNvSpPr>
+            <a:spLocks noGrp="1"/>
+          </p:cNvSpPr>
+          <p:nvPr>
+            <p:ph type="ftr" sz="quarter" idx="11"/>
+          </p:nvPr>
+        </p:nvSpPr>
+        <p:spPr/>
+        <p:txBody>
+          <a:bodyPr/>
+          <a:lstStyle/>
+          <a:p>
+            <a:r>
+              <a:rPr lang="en-US"/>
+              <a:t>Introduction to the Rust Programming Language</a:t>
+            </a:r>
+            <a:endParaRPr lang="de-DE" dirty="0"/>
+          </a:p>
+        </p:txBody>
+      </p:sp>
+      <p:sp>
+        <p:nvSpPr>
+          <p:cNvPr id="6" name="Foliennummernplatzhalter 5">
+            <a:extLst>
+              <a:ext uri="{FF2B5EF4-FFF2-40B4-BE49-F238E27FC236}">
+                <a16:creationId xmlns:a16="http://schemas.microsoft.com/office/drawing/2014/main" id="{579A2129-9B2E-4850-A819-8F24A7554F10}"/>
+              </a:ext>
+            </a:extLst>
+          </p:cNvPr>
+          <p:cNvSpPr>
+            <a:spLocks noGrp="1"/>
+          </p:cNvSpPr>
+          <p:nvPr>
+            <p:ph type="sldNum" sz="quarter" idx="12"/>
+          </p:nvPr>
+        </p:nvSpPr>
+        <p:spPr/>
+        <p:txBody>
+          <a:bodyPr/>
+          <a:lstStyle/>
+          <a:p>
+            <a:fld id="{DD84331A-EC78-42D6-8523-DC2F55A89D6A}" type="slidenum">
+              <a:rPr lang="de-DE" smtClean="0"/>
+              <a:pPr/>
+              <a:t>9</a:t>
+            </a:fld>
+            <a:endParaRPr lang="de-DE" dirty="0"/>
+          </a:p>
+        </p:txBody>
+      </p:sp>
+      <p:pic>
+        <p:nvPicPr>
+          <p:cNvPr id="7" name="Grafik 6">
+            <a:extLst>
+              <a:ext uri="{FF2B5EF4-FFF2-40B4-BE49-F238E27FC236}">
+                <a16:creationId xmlns:a16="http://schemas.microsoft.com/office/drawing/2014/main" id="{71E478D4-8F89-40E5-91C4-94834F337846}"/>
+              </a:ext>
+            </a:extLst>
+          </p:cNvPr>
+          <p:cNvPicPr>
+            <a:picLocks noChangeAspect="1"/>
+          </p:cNvPicPr>
+          <p:nvPr/>
+        </p:nvPicPr>
+        <p:blipFill>
+          <a:blip r:embed="rId2">
+            <a:extLst>
+              <a:ext uri="{28A0092B-C50C-407E-A947-70E740481C1C}">
+                <a14:useLocalDpi xmlns:a14="http://schemas.microsoft.com/office/drawing/2010/main" val="0"/>
+              </a:ext>
+            </a:extLst>
+          </a:blip>
+          <a:stretch>
+            <a:fillRect/>
+          </a:stretch>
+        </p:blipFill>
+        <p:spPr>
+          <a:xfrm>
+            <a:off x="9900458" y="286603"/>
+            <a:ext cx="1255222" cy="1255221"/>
+          </a:xfrm>
+          <a:prstGeom prst="rect">
+            <a:avLst/>
+          </a:prstGeom>
+        </p:spPr>
+      </p:pic>
+      <p:pic>
+        <p:nvPicPr>
+          <p:cNvPr id="14" name="Grafik 13" descr="Ein Bild, das Pflanze, Pinsel, Blatt enthält.&#10;&#10;Automatisch generierte Beschreibung">
+            <a:extLst>
+              <a:ext uri="{FF2B5EF4-FFF2-40B4-BE49-F238E27FC236}">
+                <a16:creationId xmlns:a16="http://schemas.microsoft.com/office/drawing/2014/main" id="{F1DF7E25-F9CF-441D-8DAE-2D1ABD784933}"/>
+              </a:ext>
+            </a:extLst>
+          </p:cNvPr>
+          <p:cNvPicPr>
+            <a:picLocks noChangeAspect="1"/>
+          </p:cNvPicPr>
+          <p:nvPr/>
+        </p:nvPicPr>
+        <p:blipFill>
+          <a:blip r:embed="rId3">
+            <a:extLst>
+              <a:ext uri="{28A0092B-C50C-407E-A947-70E740481C1C}">
+                <a14:useLocalDpi xmlns:a14="http://schemas.microsoft.com/office/drawing/2010/main" val="0"/>
+              </a:ext>
+            </a:extLst>
+          </a:blip>
+          <a:stretch>
+            <a:fillRect/>
+          </a:stretch>
+        </p:blipFill>
+        <p:spPr>
+          <a:xfrm>
+            <a:off x="7943596" y="4236437"/>
+            <a:ext cx="2420393" cy="1539551"/>
+          </a:xfrm>
+          <a:prstGeom prst="rect">
+            <a:avLst/>
+          </a:prstGeom>
+        </p:spPr>
+      </p:pic>
+    </p:spTree>
+    <p:extLst>
+      <p:ext uri="{BB962C8B-B14F-4D97-AF65-F5344CB8AC3E}">
+        <p14:creationId xmlns:p14="http://schemas.microsoft.com/office/powerpoint/2010/main" val="1191573234"/>
+      </p:ext>
+    </p:extLst>
+  </p:cSld>
+  <p:clrMapOvr>
+    <a:masterClrMapping/>
+  </p:clrMapOvr>
 </p:sld>
 </file>
 
